--- a/doc/algorithm_improvements_protected.pptx
+++ b/doc/algorithm_improvements_protected.pptx
@@ -289,14 +289,14 @@
           <a:effectLst/>
           <a:extLst>
             <a:ext uri="{909E8E84-426E-40dd-AFC4-6F175D3DCCD1}">
-              <a14:hiddenFill xmlns:a14="http://schemas.microsoft.com/office/drawing/2010/main" xmlns="">
+              <a14:hiddenFill xmlns="" xmlns:a14="http://schemas.microsoft.com/office/drawing/2010/main">
                 <a:solidFill>
                   <a:schemeClr val="accent1"/>
                 </a:solidFill>
               </a14:hiddenFill>
             </a:ext>
             <a:ext uri="{91240B29-F687-4f45-9708-019B960494DF}">
-              <a14:hiddenLine xmlns:a14="http://schemas.microsoft.com/office/drawing/2010/main" xmlns="" w="9525">
+              <a14:hiddenLine xmlns="" xmlns:a14="http://schemas.microsoft.com/office/drawing/2010/main" w="9525">
                 <a:solidFill>
                   <a:schemeClr val="tx1"/>
                 </a:solidFill>
@@ -306,7 +306,7 @@
               </a14:hiddenLine>
             </a:ext>
             <a:ext uri="{AF507438-7753-43e0-B8FC-AC1667EBCBE1}">
-              <a14:hiddenEffects xmlns:a14="http://schemas.microsoft.com/office/drawing/2010/main" xmlns="">
+              <a14:hiddenEffects xmlns="" xmlns:a14="http://schemas.microsoft.com/office/drawing/2010/main">
                 <a:effectLst>
                   <a:outerShdw dist="35921" dir="2700000" algn="ctr" rotWithShape="0">
                     <a:schemeClr val="bg2"/>
@@ -357,14 +357,14 @@
           <a:effectLst/>
           <a:extLst>
             <a:ext uri="{909E8E84-426E-40dd-AFC4-6F175D3DCCD1}">
-              <a14:hiddenFill xmlns:a14="http://schemas.microsoft.com/office/drawing/2010/main" xmlns="">
+              <a14:hiddenFill xmlns="" xmlns:a14="http://schemas.microsoft.com/office/drawing/2010/main">
                 <a:solidFill>
                   <a:schemeClr val="accent1"/>
                 </a:solidFill>
               </a14:hiddenFill>
             </a:ext>
             <a:ext uri="{91240B29-F687-4f45-9708-019B960494DF}">
-              <a14:hiddenLine xmlns:a14="http://schemas.microsoft.com/office/drawing/2010/main" xmlns="" w="9525">
+              <a14:hiddenLine xmlns="" xmlns:a14="http://schemas.microsoft.com/office/drawing/2010/main" w="9525">
                 <a:solidFill>
                   <a:schemeClr val="tx1"/>
                 </a:solidFill>
@@ -374,7 +374,7 @@
               </a14:hiddenLine>
             </a:ext>
             <a:ext uri="{AF507438-7753-43e0-B8FC-AC1667EBCBE1}">
-              <a14:hiddenEffects xmlns:a14="http://schemas.microsoft.com/office/drawing/2010/main" xmlns="">
+              <a14:hiddenEffects xmlns="" xmlns:a14="http://schemas.microsoft.com/office/drawing/2010/main">
                 <a:effectLst>
                   <a:outerShdw dist="35921" dir="2700000" algn="ctr" rotWithShape="0">
                     <a:schemeClr val="bg2"/>
@@ -430,7 +430,7 @@
           <a:effectLst/>
           <a:extLst>
             <a:ext uri="{AF507438-7753-43e0-B8FC-AC1667EBCBE1}">
-              <a14:hiddenEffects xmlns:a14="http://schemas.microsoft.com/office/drawing/2010/main" xmlns="">
+              <a14:hiddenEffects xmlns="" xmlns:a14="http://schemas.microsoft.com/office/drawing/2010/main">
                 <a:effectLst>
                   <a:outerShdw dist="35921" dir="2700000" algn="ctr" rotWithShape="0">
                     <a:srgbClr val="808080"/>
@@ -439,7 +439,7 @@
               </a14:hiddenEffects>
             </a:ext>
             <a:ext uri="{53640926-AAD7-44d8-BBD7-CCE9431645EC}">
-              <a14:shadowObscured xmlns:a14="http://schemas.microsoft.com/office/drawing/2010/main" xmlns="" val="1"/>
+              <a14:shadowObscured xmlns="" xmlns:a14="http://schemas.microsoft.com/office/drawing/2010/main" val="1"/>
             </a:ext>
           </a:extLst>
         </p:spPr>
@@ -469,14 +469,14 @@
           <a:effectLst/>
           <a:extLst>
             <a:ext uri="{909E8E84-426E-40dd-AFC4-6F175D3DCCD1}">
-              <a14:hiddenFill xmlns:a14="http://schemas.microsoft.com/office/drawing/2010/main" xmlns="">
+              <a14:hiddenFill xmlns="" xmlns:a14="http://schemas.microsoft.com/office/drawing/2010/main">
                 <a:solidFill>
                   <a:schemeClr val="accent1"/>
                 </a:solidFill>
               </a14:hiddenFill>
             </a:ext>
             <a:ext uri="{91240B29-F687-4f45-9708-019B960494DF}">
-              <a14:hiddenLine xmlns:a14="http://schemas.microsoft.com/office/drawing/2010/main" xmlns="" w="9525">
+              <a14:hiddenLine xmlns="" xmlns:a14="http://schemas.microsoft.com/office/drawing/2010/main" w="9525">
                 <a:solidFill>
                   <a:schemeClr val="tx1"/>
                 </a:solidFill>
@@ -486,7 +486,7 @@
               </a14:hiddenLine>
             </a:ext>
             <a:ext uri="{AF507438-7753-43e0-B8FC-AC1667EBCBE1}">
-              <a14:hiddenEffects xmlns:a14="http://schemas.microsoft.com/office/drawing/2010/main" xmlns="">
+              <a14:hiddenEffects xmlns="" xmlns:a14="http://schemas.microsoft.com/office/drawing/2010/main">
                 <a:effectLst>
                   <a:outerShdw dist="35921" dir="2700000" algn="ctr" rotWithShape="0">
                     <a:schemeClr val="bg2"/>
@@ -565,14 +565,14 @@
           <a:effectLst/>
           <a:extLst>
             <a:ext uri="{909E8E84-426E-40dd-AFC4-6F175D3DCCD1}">
-              <a14:hiddenFill xmlns:a14="http://schemas.microsoft.com/office/drawing/2010/main" xmlns="">
+              <a14:hiddenFill xmlns="" xmlns:a14="http://schemas.microsoft.com/office/drawing/2010/main">
                 <a:solidFill>
                   <a:schemeClr val="accent1"/>
                 </a:solidFill>
               </a14:hiddenFill>
             </a:ext>
             <a:ext uri="{91240B29-F687-4f45-9708-019B960494DF}">
-              <a14:hiddenLine xmlns:a14="http://schemas.microsoft.com/office/drawing/2010/main" xmlns="" w="9525">
+              <a14:hiddenLine xmlns="" xmlns:a14="http://schemas.microsoft.com/office/drawing/2010/main" w="9525">
                 <a:solidFill>
                   <a:schemeClr val="tx1"/>
                 </a:solidFill>
@@ -582,7 +582,7 @@
               </a14:hiddenLine>
             </a:ext>
             <a:ext uri="{AF507438-7753-43e0-B8FC-AC1667EBCBE1}">
-              <a14:hiddenEffects xmlns:a14="http://schemas.microsoft.com/office/drawing/2010/main" xmlns="">
+              <a14:hiddenEffects xmlns="" xmlns:a14="http://schemas.microsoft.com/office/drawing/2010/main">
                 <a:effectLst>
                   <a:outerShdw dist="35921" dir="2700000" algn="ctr" rotWithShape="0">
                     <a:schemeClr val="bg2"/>
@@ -633,14 +633,14 @@
           <a:effectLst/>
           <a:extLst>
             <a:ext uri="{909E8E84-426E-40dd-AFC4-6F175D3DCCD1}">
-              <a14:hiddenFill xmlns:a14="http://schemas.microsoft.com/office/drawing/2010/main" xmlns="">
+              <a14:hiddenFill xmlns="" xmlns:a14="http://schemas.microsoft.com/office/drawing/2010/main">
                 <a:solidFill>
                   <a:schemeClr val="accent1"/>
                 </a:solidFill>
               </a14:hiddenFill>
             </a:ext>
             <a:ext uri="{91240B29-F687-4f45-9708-019B960494DF}">
-              <a14:hiddenLine xmlns:a14="http://schemas.microsoft.com/office/drawing/2010/main" xmlns="" w="9525">
+              <a14:hiddenLine xmlns="" xmlns:a14="http://schemas.microsoft.com/office/drawing/2010/main" w="9525">
                 <a:solidFill>
                   <a:schemeClr val="tx1"/>
                 </a:solidFill>
@@ -650,7 +650,7 @@
               </a14:hiddenLine>
             </a:ext>
             <a:ext uri="{AF507438-7753-43e0-B8FC-AC1667EBCBE1}">
-              <a14:hiddenEffects xmlns:a14="http://schemas.microsoft.com/office/drawing/2010/main" xmlns="">
+              <a14:hiddenEffects xmlns="" xmlns:a14="http://schemas.microsoft.com/office/drawing/2010/main">
                 <a:effectLst>
                   <a:outerShdw dist="35921" dir="2700000" algn="ctr" rotWithShape="0">
                     <a:schemeClr val="bg2"/>
@@ -4168,14 +4168,14 @@
           <a:effectLst/>
           <a:extLst>
             <a:ext uri="{909E8E84-426E-40dd-AFC4-6F175D3DCCD1}">
-              <a14:hiddenFill xmlns:a14="http://schemas.microsoft.com/office/drawing/2010/main" xmlns="">
+              <a14:hiddenFill xmlns="" xmlns:a14="http://schemas.microsoft.com/office/drawing/2010/main">
                 <a:solidFill>
                   <a:schemeClr val="accent1"/>
                 </a:solidFill>
               </a14:hiddenFill>
             </a:ext>
             <a:ext uri="{91240B29-F687-4f45-9708-019B960494DF}">
-              <a14:hiddenLine xmlns:a14="http://schemas.microsoft.com/office/drawing/2010/main" xmlns="" w="9525">
+              <a14:hiddenLine xmlns="" xmlns:a14="http://schemas.microsoft.com/office/drawing/2010/main" w="9525">
                 <a:solidFill>
                   <a:schemeClr val="tx1"/>
                 </a:solidFill>
@@ -4185,7 +4185,7 @@
               </a14:hiddenLine>
             </a:ext>
             <a:ext uri="{AF507438-7753-43e0-B8FC-AC1667EBCBE1}">
-              <a14:hiddenEffects xmlns:a14="http://schemas.microsoft.com/office/drawing/2010/main" xmlns="">
+              <a14:hiddenEffects xmlns="" xmlns:a14="http://schemas.microsoft.com/office/drawing/2010/main">
                 <a:effectLst>
                   <a:outerShdw dist="35921" dir="2700000" algn="ctr" rotWithShape="0">
                     <a:schemeClr val="bg2"/>
@@ -4236,14 +4236,14 @@
           <a:effectLst/>
           <a:extLst>
             <a:ext uri="{909E8E84-426E-40dd-AFC4-6F175D3DCCD1}">
-              <a14:hiddenFill xmlns:a14="http://schemas.microsoft.com/office/drawing/2010/main" xmlns="">
+              <a14:hiddenFill xmlns="" xmlns:a14="http://schemas.microsoft.com/office/drawing/2010/main">
                 <a:solidFill>
                   <a:schemeClr val="accent1"/>
                 </a:solidFill>
               </a14:hiddenFill>
             </a:ext>
             <a:ext uri="{91240B29-F687-4f45-9708-019B960494DF}">
-              <a14:hiddenLine xmlns:a14="http://schemas.microsoft.com/office/drawing/2010/main" xmlns="" w="9525">
+              <a14:hiddenLine xmlns="" xmlns:a14="http://schemas.microsoft.com/office/drawing/2010/main" w="9525">
                 <a:solidFill>
                   <a:schemeClr val="tx1"/>
                 </a:solidFill>
@@ -4253,7 +4253,7 @@
               </a14:hiddenLine>
             </a:ext>
             <a:ext uri="{AF507438-7753-43e0-B8FC-AC1667EBCBE1}">
-              <a14:hiddenEffects xmlns:a14="http://schemas.microsoft.com/office/drawing/2010/main" xmlns="">
+              <a14:hiddenEffects xmlns="" xmlns:a14="http://schemas.microsoft.com/office/drawing/2010/main">
                 <a:effectLst>
                   <a:outerShdw dist="35921" dir="2700000" algn="ctr" rotWithShape="0">
                     <a:schemeClr val="bg2"/>
@@ -4332,14 +4332,14 @@
           <a:effectLst/>
           <a:extLst>
             <a:ext uri="{909E8E84-426E-40dd-AFC4-6F175D3DCCD1}">
-              <a14:hiddenFill xmlns:a14="http://schemas.microsoft.com/office/drawing/2010/main" xmlns="">
+              <a14:hiddenFill xmlns="" xmlns:a14="http://schemas.microsoft.com/office/drawing/2010/main">
                 <a:solidFill>
                   <a:schemeClr val="accent1"/>
                 </a:solidFill>
               </a14:hiddenFill>
             </a:ext>
             <a:ext uri="{91240B29-F687-4f45-9708-019B960494DF}">
-              <a14:hiddenLine xmlns:a14="http://schemas.microsoft.com/office/drawing/2010/main" xmlns="" w="9525">
+              <a14:hiddenLine xmlns="" xmlns:a14="http://schemas.microsoft.com/office/drawing/2010/main" w="9525">
                 <a:solidFill>
                   <a:schemeClr val="tx1"/>
                 </a:solidFill>
@@ -4349,7 +4349,7 @@
               </a14:hiddenLine>
             </a:ext>
             <a:ext uri="{AF507438-7753-43e0-B8FC-AC1667EBCBE1}">
-              <a14:hiddenEffects xmlns:a14="http://schemas.microsoft.com/office/drawing/2010/main" xmlns="">
+              <a14:hiddenEffects xmlns="" xmlns:a14="http://schemas.microsoft.com/office/drawing/2010/main">
                 <a:effectLst>
                   <a:outerShdw dist="35921" dir="2700000" algn="ctr" rotWithShape="0">
                     <a:schemeClr val="bg2"/>
@@ -4411,14 +4411,14 @@
           <a:effectLst/>
           <a:extLst>
             <a:ext uri="{909E8E84-426E-40dd-AFC4-6F175D3DCCD1}">
-              <a14:hiddenFill xmlns:a14="http://schemas.microsoft.com/office/drawing/2010/main" xmlns="">
+              <a14:hiddenFill xmlns="" xmlns:a14="http://schemas.microsoft.com/office/drawing/2010/main">
                 <a:solidFill>
                   <a:schemeClr val="accent1"/>
                 </a:solidFill>
               </a14:hiddenFill>
             </a:ext>
             <a:ext uri="{91240B29-F687-4f45-9708-019B960494DF}">
-              <a14:hiddenLine xmlns:a14="http://schemas.microsoft.com/office/drawing/2010/main" xmlns="" w="9525" algn="ctr">
+              <a14:hiddenLine xmlns="" xmlns:a14="http://schemas.microsoft.com/office/drawing/2010/main" w="9525" algn="ctr">
                 <a:solidFill>
                   <a:schemeClr val="tx1"/>
                 </a:solidFill>
@@ -4428,7 +4428,7 @@
               </a14:hiddenLine>
             </a:ext>
             <a:ext uri="{AF507438-7753-43e0-B8FC-AC1667EBCBE1}">
-              <a14:hiddenEffects xmlns:a14="http://schemas.microsoft.com/office/drawing/2010/main" xmlns="">
+              <a14:hiddenEffects xmlns="" xmlns:a14="http://schemas.microsoft.com/office/drawing/2010/main">
                 <a:effectLst>
                   <a:outerShdw dist="35921" dir="2700000" algn="ctr" rotWithShape="0">
                     <a:schemeClr val="bg2"/>
@@ -4573,7 +4573,7 @@
             </a:r>
             <a:r>
               <a:rPr lang="de-DE" sz="1000" dirty="0"/>
-              <a:t> Birds   24.10.2023</a:t>
+              <a:t> Birds   19.12.2023</a:t>
             </a:r>
           </a:p>
         </p:txBody>
@@ -4606,12 +4606,12 @@
           <a:effectLst/>
           <a:extLst>
             <a:ext uri="{909E8E84-426E-40dd-AFC4-6F175D3DCCD1}">
-              <a14:hiddenFill xmlns:a14="http://schemas.microsoft.com/office/drawing/2010/main" xmlns="">
+              <a14:hiddenFill xmlns="" xmlns:a14="http://schemas.microsoft.com/office/drawing/2010/main">
                 <a:noFill/>
               </a14:hiddenFill>
             </a:ext>
             <a:ext uri="{AF507438-7753-43e0-B8FC-AC1667EBCBE1}">
-              <a14:hiddenEffects xmlns:a14="http://schemas.microsoft.com/office/drawing/2010/main" xmlns="">
+              <a14:hiddenEffects xmlns="" xmlns:a14="http://schemas.microsoft.com/office/drawing/2010/main">
                 <a:effectLst>
                   <a:outerShdw dist="35921" dir="2700000" algn="ctr" rotWithShape="0">
                     <a:schemeClr val="bg2"/>
@@ -5171,14 +5171,14 @@
           <a:effectLst/>
           <a:extLst>
             <a:ext uri="{909E8E84-426E-40dd-AFC4-6F175D3DCCD1}">
-              <a14:hiddenFill xmlns:a14="http://schemas.microsoft.com/office/drawing/2010/main" xmlns="">
+              <a14:hiddenFill xmlns="" xmlns:a14="http://schemas.microsoft.com/office/drawing/2010/main">
                 <a:solidFill>
                   <a:schemeClr val="accent1"/>
                 </a:solidFill>
               </a14:hiddenFill>
             </a:ext>
             <a:ext uri="{91240B29-F687-4f45-9708-019B960494DF}">
-              <a14:hiddenLine xmlns:a14="http://schemas.microsoft.com/office/drawing/2010/main" xmlns="" w="9525" algn="ctr">
+              <a14:hiddenLine xmlns="" xmlns:a14="http://schemas.microsoft.com/office/drawing/2010/main" w="9525" algn="ctr">
                 <a:solidFill>
                   <a:schemeClr val="tx1"/>
                 </a:solidFill>
@@ -5188,7 +5188,7 @@
               </a14:hiddenLine>
             </a:ext>
             <a:ext uri="{AF507438-7753-43e0-B8FC-AC1667EBCBE1}">
-              <a14:hiddenEffects xmlns:a14="http://schemas.microsoft.com/office/drawing/2010/main" xmlns="">
+              <a14:hiddenEffects xmlns="" xmlns:a14="http://schemas.microsoft.com/office/drawing/2010/main">
                 <a:effectLst>
                   <a:outerShdw dist="35921" dir="2700000" algn="ctr" rotWithShape="0">
                     <a:schemeClr val="bg2"/>
@@ -5309,7 +5309,7 @@
             </a:r>
             <a:r>
               <a:rPr lang="de-DE" sz="1000" dirty="0"/>
-              <a:t>, 24.10.2023</a:t>
+              <a:t>, 19.12.2023</a:t>
             </a:r>
           </a:p>
         </p:txBody>
@@ -6581,7 +6581,7 @@
           </a:ln>
           <a:extLst>
             <a:ext uri="{AF507438-7753-43e0-B8FC-AC1667EBCBE1}">
-              <a14:hiddenEffects xmlns="" xmlns:a14="http://schemas.microsoft.com/office/drawing/2010/main">
+              <a14:hiddenEffects xmlns:a14="http://schemas.microsoft.com/office/drawing/2010/main" xmlns="">
                 <a:effectLst>
                   <a:outerShdw dist="35921" dir="2700000" algn="ctr" rotWithShape="0">
                     <a:schemeClr val="bg2"/>
@@ -6779,14 +6779,14 @@
           <a:effectLst/>
           <a:extLst>
             <a:ext uri="{909E8E84-426E-40dd-AFC4-6F175D3DCCD1}">
-              <a14:hiddenFill xmlns:a14="http://schemas.microsoft.com/office/drawing/2010/main" xmlns="">
+              <a14:hiddenFill xmlns="" xmlns:a14="http://schemas.microsoft.com/office/drawing/2010/main">
                 <a:solidFill>
                   <a:schemeClr val="accent1"/>
                 </a:solidFill>
               </a14:hiddenFill>
             </a:ext>
             <a:ext uri="{91240B29-F687-4f45-9708-019B960494DF}">
-              <a14:hiddenLine xmlns:a14="http://schemas.microsoft.com/office/drawing/2010/main" xmlns="" w="9525">
+              <a14:hiddenLine xmlns="" xmlns:a14="http://schemas.microsoft.com/office/drawing/2010/main" w="9525">
                 <a:solidFill>
                   <a:schemeClr val="tx1"/>
                 </a:solidFill>
@@ -6796,7 +6796,7 @@
               </a14:hiddenLine>
             </a:ext>
             <a:ext uri="{AF507438-7753-43e0-B8FC-AC1667EBCBE1}">
-              <a14:hiddenEffects xmlns:a14="http://schemas.microsoft.com/office/drawing/2010/main" xmlns="">
+              <a14:hiddenEffects xmlns="" xmlns:a14="http://schemas.microsoft.com/office/drawing/2010/main">
                 <a:effectLst>
                   <a:outerShdw dist="35921" dir="2700000" algn="ctr" rotWithShape="0">
                     <a:schemeClr val="bg2"/>
@@ -7103,7 +7103,7 @@
           </a:ln>
           <a:extLst>
             <a:ext uri="{AF507438-7753-43e0-B8FC-AC1667EBCBE1}">
-              <a14:hiddenEffects xmlns="" xmlns:a14="http://schemas.microsoft.com/office/drawing/2010/main">
+              <a14:hiddenEffects xmlns:a14="http://schemas.microsoft.com/office/drawing/2010/main" xmlns="">
                 <a:effectLst>
                   <a:outerShdw dist="35921" dir="2700000" algn="ctr" rotWithShape="0">
                     <a:schemeClr val="bg2"/>
@@ -7190,7 +7190,7 @@
           </a:ln>
           <a:extLst>
             <a:ext uri="{AF507438-7753-43e0-B8FC-AC1667EBCBE1}">
-              <a14:hiddenEffects xmlns="" xmlns:a14="http://schemas.microsoft.com/office/drawing/2010/main">
+              <a14:hiddenEffects xmlns:a14="http://schemas.microsoft.com/office/drawing/2010/main" xmlns="">
                 <a:effectLst>
                   <a:outerShdw dist="35921" dir="2700000" algn="ctr" rotWithShape="0">
                     <a:schemeClr val="bg2"/>
@@ -7277,7 +7277,7 @@
           </a:ln>
           <a:extLst>
             <a:ext uri="{AF507438-7753-43e0-B8FC-AC1667EBCBE1}">
-              <a14:hiddenEffects xmlns="" xmlns:a14="http://schemas.microsoft.com/office/drawing/2010/main">
+              <a14:hiddenEffects xmlns:a14="http://schemas.microsoft.com/office/drawing/2010/main" xmlns="">
                 <a:effectLst>
                   <a:outerShdw dist="35921" dir="2700000" algn="ctr" rotWithShape="0">
                     <a:schemeClr val="bg2"/>
@@ -7369,7 +7369,7 @@
           </a:ln>
           <a:extLst>
             <a:ext uri="{AF507438-7753-43e0-B8FC-AC1667EBCBE1}">
-              <a14:hiddenEffects xmlns="" xmlns:a14="http://schemas.microsoft.com/office/drawing/2010/main">
+              <a14:hiddenEffects xmlns:a14="http://schemas.microsoft.com/office/drawing/2010/main" xmlns="">
                 <a:effectLst>
                   <a:outerShdw dist="35921" dir="2700000" algn="ctr" rotWithShape="0">
                     <a:schemeClr val="bg2"/>
@@ -7578,7 +7578,7 @@
           </a:ln>
           <a:extLst>
             <a:ext uri="{AF507438-7753-43e0-B8FC-AC1667EBCBE1}">
-              <a14:hiddenEffects xmlns="" xmlns:a14="http://schemas.microsoft.com/office/drawing/2010/main">
+              <a14:hiddenEffects xmlns:a14="http://schemas.microsoft.com/office/drawing/2010/main" xmlns="">
                 <a:effectLst>
                   <a:outerShdw dist="35921" dir="2700000" algn="ctr" rotWithShape="0">
                     <a:schemeClr val="bg2"/>
@@ -7670,7 +7670,7 @@
           </a:ln>
           <a:extLst>
             <a:ext uri="{AF507438-7753-43e0-B8FC-AC1667EBCBE1}">
-              <a14:hiddenEffects xmlns="" xmlns:a14="http://schemas.microsoft.com/office/drawing/2010/main">
+              <a14:hiddenEffects xmlns:a14="http://schemas.microsoft.com/office/drawing/2010/main" xmlns="">
                 <a:effectLst>
                   <a:outerShdw dist="35921" dir="2700000" algn="ctr" rotWithShape="0">
                     <a:schemeClr val="bg2"/>
@@ -7762,7 +7762,7 @@
           </a:ln>
           <a:extLst>
             <a:ext uri="{AF507438-7753-43e0-B8FC-AC1667EBCBE1}">
-              <a14:hiddenEffects xmlns="" xmlns:a14="http://schemas.microsoft.com/office/drawing/2010/main">
+              <a14:hiddenEffects xmlns:a14="http://schemas.microsoft.com/office/drawing/2010/main" xmlns="">
                 <a:effectLst>
                   <a:outerShdw dist="35921" dir="2700000" algn="ctr" rotWithShape="0">
                     <a:schemeClr val="bg2"/>
@@ -7854,7 +7854,7 @@
           </a:ln>
           <a:extLst>
             <a:ext uri="{AF507438-7753-43e0-B8FC-AC1667EBCBE1}">
-              <a14:hiddenEffects xmlns="" xmlns:a14="http://schemas.microsoft.com/office/drawing/2010/main">
+              <a14:hiddenEffects xmlns:a14="http://schemas.microsoft.com/office/drawing/2010/main" xmlns="">
                 <a:effectLst>
                   <a:outerShdw dist="35921" dir="2700000" algn="ctr" rotWithShape="0">
                     <a:schemeClr val="bg2"/>
@@ -8178,7 +8178,7 @@
           </a:ln>
           <a:extLst>
             <a:ext uri="{AF507438-7753-43e0-B8FC-AC1667EBCBE1}">
-              <a14:hiddenEffects xmlns="" xmlns:a14="http://schemas.microsoft.com/office/drawing/2010/main">
+              <a14:hiddenEffects xmlns:a14="http://schemas.microsoft.com/office/drawing/2010/main" xmlns="">
                 <a:effectLst>
                   <a:outerShdw dist="35921" dir="2700000" algn="ctr" rotWithShape="0">
                     <a:schemeClr val="bg2"/>
@@ -8232,7 +8232,7 @@
           </a:ln>
           <a:extLst>
             <a:ext uri="{AF507438-7753-43e0-B8FC-AC1667EBCBE1}">
-              <a14:hiddenEffects xmlns="" xmlns:a14="http://schemas.microsoft.com/office/drawing/2010/main">
+              <a14:hiddenEffects xmlns:a14="http://schemas.microsoft.com/office/drawing/2010/main" xmlns="">
                 <a:effectLst>
                   <a:outerShdw dist="35921" dir="2700000" algn="ctr" rotWithShape="0">
                     <a:schemeClr val="bg2"/>
@@ -8286,7 +8286,7 @@
           </a:ln>
           <a:extLst>
             <a:ext uri="{AF507438-7753-43e0-B8FC-AC1667EBCBE1}">
-              <a14:hiddenEffects xmlns="" xmlns:a14="http://schemas.microsoft.com/office/drawing/2010/main">
+              <a14:hiddenEffects xmlns:a14="http://schemas.microsoft.com/office/drawing/2010/main" xmlns="">
                 <a:effectLst>
                   <a:outerShdw dist="35921" dir="2700000" algn="ctr" rotWithShape="0">
                     <a:schemeClr val="bg2"/>
@@ -9781,7 +9781,7 @@
           </a:ln>
           <a:extLst>
             <a:ext uri="{AF507438-7753-43e0-B8FC-AC1667EBCBE1}">
-              <a14:hiddenEffects xmlns="" xmlns:a14="http://schemas.microsoft.com/office/drawing/2010/main">
+              <a14:hiddenEffects xmlns:a14="http://schemas.microsoft.com/office/drawing/2010/main" xmlns="">
                 <a:effectLst>
                   <a:outerShdw dist="35921" dir="2700000" algn="ctr" rotWithShape="0">
                     <a:schemeClr val="bg2"/>
@@ -9975,14 +9975,14 @@
           <a:effectLst/>
           <a:extLst>
             <a:ext uri="{909E8E84-426E-40dd-AFC4-6F175D3DCCD1}">
-              <a14:hiddenFill xmlns:a14="http://schemas.microsoft.com/office/drawing/2010/main" xmlns="">
+              <a14:hiddenFill xmlns="" xmlns:a14="http://schemas.microsoft.com/office/drawing/2010/main">
                 <a:solidFill>
                   <a:schemeClr val="accent1"/>
                 </a:solidFill>
               </a14:hiddenFill>
             </a:ext>
             <a:ext uri="{91240B29-F687-4f45-9708-019B960494DF}">
-              <a14:hiddenLine xmlns:a14="http://schemas.microsoft.com/office/drawing/2010/main" xmlns="" w="9525">
+              <a14:hiddenLine xmlns="" xmlns:a14="http://schemas.microsoft.com/office/drawing/2010/main" w="9525">
                 <a:solidFill>
                   <a:schemeClr val="tx1"/>
                 </a:solidFill>
@@ -9992,7 +9992,7 @@
               </a14:hiddenLine>
             </a:ext>
             <a:ext uri="{AF507438-7753-43e0-B8FC-AC1667EBCBE1}">
-              <a14:hiddenEffects xmlns:a14="http://schemas.microsoft.com/office/drawing/2010/main" xmlns="">
+              <a14:hiddenEffects xmlns="" xmlns:a14="http://schemas.microsoft.com/office/drawing/2010/main">
                 <a:effectLst>
                   <a:outerShdw dist="35921" dir="2700000" algn="ctr" rotWithShape="0">
                     <a:schemeClr val="bg2"/>
@@ -10295,14 +10295,14 @@
           <a:effectLst/>
           <a:extLst>
             <a:ext uri="{909E8E84-426E-40dd-AFC4-6F175D3DCCD1}">
-              <a14:hiddenFill xmlns:a14="http://schemas.microsoft.com/office/drawing/2010/main" xmlns="">
+              <a14:hiddenFill xmlns="" xmlns:a14="http://schemas.microsoft.com/office/drawing/2010/main">
                 <a:solidFill>
                   <a:schemeClr val="accent1"/>
                 </a:solidFill>
               </a14:hiddenFill>
             </a:ext>
             <a:ext uri="{91240B29-F687-4f45-9708-019B960494DF}">
-              <a14:hiddenLine xmlns:a14="http://schemas.microsoft.com/office/drawing/2010/main" xmlns="" w="9525">
+              <a14:hiddenLine xmlns="" xmlns:a14="http://schemas.microsoft.com/office/drawing/2010/main" w="9525">
                 <a:solidFill>
                   <a:schemeClr val="tx1"/>
                 </a:solidFill>
@@ -10312,7 +10312,7 @@
               </a14:hiddenLine>
             </a:ext>
             <a:ext uri="{AF507438-7753-43e0-B8FC-AC1667EBCBE1}">
-              <a14:hiddenEffects xmlns:a14="http://schemas.microsoft.com/office/drawing/2010/main" xmlns="">
+              <a14:hiddenEffects xmlns="" xmlns:a14="http://schemas.microsoft.com/office/drawing/2010/main">
                 <a:effectLst>
                   <a:outerShdw dist="35921" dir="2700000" algn="ctr" rotWithShape="0">
                     <a:schemeClr val="bg2"/>
@@ -12006,7 +12006,7 @@
           </a:ln>
           <a:extLst>
             <a:ext uri="{AF507438-7753-43e0-B8FC-AC1667EBCBE1}">
-              <a14:hiddenEffects xmlns="" xmlns:a14="http://schemas.microsoft.com/office/drawing/2010/main">
+              <a14:hiddenEffects xmlns:a14="http://schemas.microsoft.com/office/drawing/2010/main" xmlns="">
                 <a:effectLst>
                   <a:outerShdw dist="35921" dir="2700000" algn="ctr" rotWithShape="0">
                     <a:schemeClr val="bg2"/>
@@ -12208,14 +12208,14 @@
           <a:effectLst/>
           <a:extLst>
             <a:ext uri="{909E8E84-426E-40dd-AFC4-6F175D3DCCD1}">
-              <a14:hiddenFill xmlns:a14="http://schemas.microsoft.com/office/drawing/2010/main" xmlns="">
+              <a14:hiddenFill xmlns="" xmlns:a14="http://schemas.microsoft.com/office/drawing/2010/main">
                 <a:solidFill>
                   <a:schemeClr val="accent1"/>
                 </a:solidFill>
               </a14:hiddenFill>
             </a:ext>
             <a:ext uri="{91240B29-F687-4f45-9708-019B960494DF}">
-              <a14:hiddenLine xmlns:a14="http://schemas.microsoft.com/office/drawing/2010/main" xmlns="" w="9525">
+              <a14:hiddenLine xmlns="" xmlns:a14="http://schemas.microsoft.com/office/drawing/2010/main" w="9525">
                 <a:solidFill>
                   <a:schemeClr val="tx1"/>
                 </a:solidFill>
@@ -12225,7 +12225,7 @@
               </a14:hiddenLine>
             </a:ext>
             <a:ext uri="{AF507438-7753-43e0-B8FC-AC1667EBCBE1}">
-              <a14:hiddenEffects xmlns:a14="http://schemas.microsoft.com/office/drawing/2010/main" xmlns="">
+              <a14:hiddenEffects xmlns="" xmlns:a14="http://schemas.microsoft.com/office/drawing/2010/main">
                 <a:effectLst>
                   <a:outerShdw dist="35921" dir="2700000" algn="ctr" rotWithShape="0">
                     <a:schemeClr val="bg2"/>
@@ -13959,7 +13959,7 @@
           </a:ln>
           <a:extLst>
             <a:ext uri="{AF507438-7753-43e0-B8FC-AC1667EBCBE1}">
-              <a14:hiddenEffects xmlns="" xmlns:a14="http://schemas.microsoft.com/office/drawing/2010/main">
+              <a14:hiddenEffects xmlns:a14="http://schemas.microsoft.com/office/drawing/2010/main" xmlns="">
                 <a:effectLst>
                   <a:outerShdw dist="35921" dir="2700000" algn="ctr" rotWithShape="0">
                     <a:schemeClr val="bg2"/>
@@ -15259,7 +15259,7 @@
           </a:ln>
           <a:extLst>
             <a:ext uri="{AF507438-7753-43e0-B8FC-AC1667EBCBE1}">
-              <a14:hiddenEffects xmlns="" xmlns:a14="http://schemas.microsoft.com/office/drawing/2010/main">
+              <a14:hiddenEffects xmlns:a14="http://schemas.microsoft.com/office/drawing/2010/main" xmlns="">
                 <a:effectLst>
                   <a:outerShdw dist="35921" dir="2700000" algn="ctr" rotWithShape="0">
                     <a:schemeClr val="bg2"/>
@@ -16225,7 +16225,7 @@
           </a:ln>
           <a:extLst>
             <a:ext uri="{AF507438-7753-43e0-B8FC-AC1667EBCBE1}">
-              <a14:hiddenEffects xmlns="" xmlns:a14="http://schemas.microsoft.com/office/drawing/2010/main">
+              <a14:hiddenEffects xmlns:a14="http://schemas.microsoft.com/office/drawing/2010/main" xmlns="">
                 <a:effectLst>
                   <a:outerShdw dist="35921" dir="2700000" algn="ctr" rotWithShape="0">
                     <a:schemeClr val="bg2"/>
@@ -16318,7 +16318,7 @@
           </a:ln>
           <a:extLst>
             <a:ext uri="{AF507438-7753-43e0-B8FC-AC1667EBCBE1}">
-              <a14:hiddenEffects xmlns="" xmlns:a14="http://schemas.microsoft.com/office/drawing/2010/main">
+              <a14:hiddenEffects xmlns:a14="http://schemas.microsoft.com/office/drawing/2010/main" xmlns="">
                 <a:effectLst>
                   <a:outerShdw dist="35921" dir="2700000" algn="ctr" rotWithShape="0">
                     <a:schemeClr val="bg2"/>
@@ -16895,7 +16895,7 @@
           </a:ln>
           <a:extLst>
             <a:ext uri="{AF507438-7753-43e0-B8FC-AC1667EBCBE1}">
-              <a14:hiddenEffects xmlns="" xmlns:a14="http://schemas.microsoft.com/office/drawing/2010/main">
+              <a14:hiddenEffects xmlns:a14="http://schemas.microsoft.com/office/drawing/2010/main" xmlns="">
                 <a:effectLst>
                   <a:outerShdw dist="35921" dir="2700000" algn="ctr" rotWithShape="0">
                     <a:schemeClr val="bg2"/>
@@ -16988,7 +16988,7 @@
           </a:ln>
           <a:extLst>
             <a:ext uri="{AF507438-7753-43e0-B8FC-AC1667EBCBE1}">
-              <a14:hiddenEffects xmlns="" xmlns:a14="http://schemas.microsoft.com/office/drawing/2010/main">
+              <a14:hiddenEffects xmlns:a14="http://schemas.microsoft.com/office/drawing/2010/main" xmlns="">
                 <a:effectLst>
                   <a:outerShdw dist="35921" dir="2700000" algn="ctr" rotWithShape="0">
                     <a:schemeClr val="bg2"/>
@@ -17081,7 +17081,7 @@
           </a:ln>
           <a:extLst>
             <a:ext uri="{AF507438-7753-43e0-B8FC-AC1667EBCBE1}">
-              <a14:hiddenEffects xmlns="" xmlns:a14="http://schemas.microsoft.com/office/drawing/2010/main">
+              <a14:hiddenEffects xmlns:a14="http://schemas.microsoft.com/office/drawing/2010/main" xmlns="">
                 <a:effectLst>
                   <a:outerShdw dist="35921" dir="2700000" algn="ctr" rotWithShape="0">
                     <a:schemeClr val="bg2"/>
@@ -17174,7 +17174,7 @@
           </a:ln>
           <a:extLst>
             <a:ext uri="{AF507438-7753-43e0-B8FC-AC1667EBCBE1}">
-              <a14:hiddenEffects xmlns="" xmlns:a14="http://schemas.microsoft.com/office/drawing/2010/main">
+              <a14:hiddenEffects xmlns:a14="http://schemas.microsoft.com/office/drawing/2010/main" xmlns="">
                 <a:effectLst>
                   <a:outerShdw dist="35921" dir="2700000" algn="ctr" rotWithShape="0">
                     <a:schemeClr val="bg2"/>
@@ -17267,7 +17267,7 @@
           </a:ln>
           <a:extLst>
             <a:ext uri="{AF507438-7753-43e0-B8FC-AC1667EBCBE1}">
-              <a14:hiddenEffects xmlns="" xmlns:a14="http://schemas.microsoft.com/office/drawing/2010/main">
+              <a14:hiddenEffects xmlns:a14="http://schemas.microsoft.com/office/drawing/2010/main" xmlns="">
                 <a:effectLst>
                   <a:outerShdw dist="35921" dir="2700000" algn="ctr" rotWithShape="0">
                     <a:schemeClr val="bg2"/>
@@ -18600,7 +18600,7 @@
           </a:ln>
           <a:extLst>
             <a:ext uri="{AF507438-7753-43e0-B8FC-AC1667EBCBE1}">
-              <a14:hiddenEffects xmlns="" xmlns:a14="http://schemas.microsoft.com/office/drawing/2010/main">
+              <a14:hiddenEffects xmlns:a14="http://schemas.microsoft.com/office/drawing/2010/main" xmlns="">
                 <a:effectLst>
                   <a:outerShdw dist="35921" dir="2700000" algn="ctr" rotWithShape="0">
                     <a:schemeClr val="bg2"/>
@@ -18798,14 +18798,14 @@
           <a:effectLst/>
           <a:extLst>
             <a:ext uri="{909E8E84-426E-40dd-AFC4-6F175D3DCCD1}">
-              <a14:hiddenFill xmlns:a14="http://schemas.microsoft.com/office/drawing/2010/main" xmlns="">
+              <a14:hiddenFill xmlns="" xmlns:a14="http://schemas.microsoft.com/office/drawing/2010/main">
                 <a:solidFill>
                   <a:schemeClr val="accent1"/>
                 </a:solidFill>
               </a14:hiddenFill>
             </a:ext>
             <a:ext uri="{91240B29-F687-4f45-9708-019B960494DF}">
-              <a14:hiddenLine xmlns:a14="http://schemas.microsoft.com/office/drawing/2010/main" xmlns="" w="9525">
+              <a14:hiddenLine xmlns="" xmlns:a14="http://schemas.microsoft.com/office/drawing/2010/main" w="9525">
                 <a:solidFill>
                   <a:schemeClr val="tx1"/>
                 </a:solidFill>
@@ -18815,7 +18815,7 @@
               </a14:hiddenLine>
             </a:ext>
             <a:ext uri="{AF507438-7753-43e0-B8FC-AC1667EBCBE1}">
-              <a14:hiddenEffects xmlns:a14="http://schemas.microsoft.com/office/drawing/2010/main" xmlns="">
+              <a14:hiddenEffects xmlns="" xmlns:a14="http://schemas.microsoft.com/office/drawing/2010/main">
                 <a:effectLst>
                   <a:outerShdw dist="35921" dir="2700000" algn="ctr" rotWithShape="0">
                     <a:schemeClr val="bg2"/>
@@ -19472,7 +19472,7 @@
               <a:effectLst/>
               <a:extLst>
                 <a:ext uri="{AF507438-7753-43e0-B8FC-AC1667EBCBE1}">
-                  <a14:hiddenEffects xmlns="" xmlns:a14="http://schemas.microsoft.com/office/drawing/2010/main">
+                  <a14:hiddenEffects xmlns:a14="http://schemas.microsoft.com/office/drawing/2010/main" xmlns="">
                     <a:effectLst>
                       <a:outerShdw dist="35921" dir="2700000" algn="ctr" rotWithShape="0">
                         <a:schemeClr val="bg2"/>
@@ -19592,7 +19592,7 @@
             <a:effectLst/>
             <a:extLst>
               <a:ext uri="{AF507438-7753-43e0-B8FC-AC1667EBCBE1}">
-                <a14:hiddenEffects xmlns="" xmlns:a14="http://schemas.microsoft.com/office/drawing/2010/main">
+                <a14:hiddenEffects xmlns:a14="http://schemas.microsoft.com/office/drawing/2010/main" xmlns="">
                   <a:effectLst>
                     <a:outerShdw dist="35921" dir="2700000" algn="ctr" rotWithShape="0">
                       <a:schemeClr val="bg2"/>
@@ -20211,7 +20211,7 @@
               <a:effectLst/>
               <a:extLst>
                 <a:ext uri="{AF507438-7753-43e0-B8FC-AC1667EBCBE1}">
-                  <a14:hiddenEffects xmlns:a14="http://schemas.microsoft.com/office/drawing/2010/main" xmlns="">
+                  <a14:hiddenEffects xmlns="" xmlns:a14="http://schemas.microsoft.com/office/drawing/2010/main">
                     <a:effectLst>
                       <a:outerShdw dist="35921" dir="2700000" algn="ctr" rotWithShape="0">
                         <a:schemeClr val="bg2"/>
@@ -20331,7 +20331,7 @@
             <a:effectLst/>
             <a:extLst>
               <a:ext uri="{AF507438-7753-43e0-B8FC-AC1667EBCBE1}">
-                <a14:hiddenEffects xmlns:a14="http://schemas.microsoft.com/office/drawing/2010/main" xmlns="">
+                <a14:hiddenEffects xmlns="" xmlns:a14="http://schemas.microsoft.com/office/drawing/2010/main">
                   <a:effectLst>
                     <a:outerShdw dist="35921" dir="2700000" algn="ctr" rotWithShape="0">
                       <a:schemeClr val="bg2"/>
@@ -21750,7 +21750,7 @@
           </a:ln>
           <a:extLst>
             <a:ext uri="{AF507438-7753-43e0-B8FC-AC1667EBCBE1}">
-              <a14:hiddenEffects xmlns="" xmlns:a14="http://schemas.microsoft.com/office/drawing/2010/main">
+              <a14:hiddenEffects xmlns:a14="http://schemas.microsoft.com/office/drawing/2010/main" xmlns="">
                 <a:effectLst>
                   <a:outerShdw dist="35921" dir="2700000" algn="ctr" rotWithShape="0">
                     <a:schemeClr val="bg2"/>
@@ -21952,14 +21952,14 @@
           <a:effectLst/>
           <a:extLst>
             <a:ext uri="{909E8E84-426E-40dd-AFC4-6F175D3DCCD1}">
-              <a14:hiddenFill xmlns="" xmlns:a14="http://schemas.microsoft.com/office/drawing/2010/main">
+              <a14:hiddenFill xmlns:a14="http://schemas.microsoft.com/office/drawing/2010/main" xmlns="">
                 <a:solidFill>
                   <a:schemeClr val="accent1"/>
                 </a:solidFill>
               </a14:hiddenFill>
             </a:ext>
             <a:ext uri="{91240B29-F687-4f45-9708-019B960494DF}">
-              <a14:hiddenLine xmlns="" xmlns:a14="http://schemas.microsoft.com/office/drawing/2010/main" w="9525">
+              <a14:hiddenLine xmlns:a14="http://schemas.microsoft.com/office/drawing/2010/main" xmlns="" w="9525">
                 <a:solidFill>
                   <a:schemeClr val="tx1"/>
                 </a:solidFill>
@@ -21969,7 +21969,7 @@
               </a14:hiddenLine>
             </a:ext>
             <a:ext uri="{AF507438-7753-43e0-B8FC-AC1667EBCBE1}">
-              <a14:hiddenEffects xmlns="" xmlns:a14="http://schemas.microsoft.com/office/drawing/2010/main">
+              <a14:hiddenEffects xmlns:a14="http://schemas.microsoft.com/office/drawing/2010/main" xmlns="">
                 <a:effectLst>
                   <a:outerShdw dist="35921" dir="2700000" algn="ctr" rotWithShape="0">
                     <a:schemeClr val="bg2"/>
@@ -22567,7 +22567,7 @@
           </a:ln>
           <a:extLst>
             <a:ext uri="{AF507438-7753-43e0-B8FC-AC1667EBCBE1}">
-              <a14:hiddenEffects xmlns="" xmlns:a14="http://schemas.microsoft.com/office/drawing/2010/main">
+              <a14:hiddenEffects xmlns:a14="http://schemas.microsoft.com/office/drawing/2010/main" xmlns="">
                 <a:effectLst>
                   <a:outerShdw dist="35921" dir="2700000" algn="ctr" rotWithShape="0">
                     <a:schemeClr val="bg2"/>
@@ -22660,7 +22660,7 @@
           </a:ln>
           <a:extLst>
             <a:ext uri="{AF507438-7753-43e0-B8FC-AC1667EBCBE1}">
-              <a14:hiddenEffects xmlns="" xmlns:a14="http://schemas.microsoft.com/office/drawing/2010/main">
+              <a14:hiddenEffects xmlns:a14="http://schemas.microsoft.com/office/drawing/2010/main" xmlns="">
                 <a:effectLst>
                   <a:outerShdw dist="35921" dir="2700000" algn="ctr" rotWithShape="0">
                     <a:schemeClr val="bg2"/>
@@ -23237,7 +23237,7 @@
           </a:ln>
           <a:extLst>
             <a:ext uri="{AF507438-7753-43e0-B8FC-AC1667EBCBE1}">
-              <a14:hiddenEffects xmlns="" xmlns:a14="http://schemas.microsoft.com/office/drawing/2010/main">
+              <a14:hiddenEffects xmlns:a14="http://schemas.microsoft.com/office/drawing/2010/main" xmlns="">
                 <a:effectLst>
                   <a:outerShdw dist="35921" dir="2700000" algn="ctr" rotWithShape="0">
                     <a:schemeClr val="bg2"/>
@@ -23330,7 +23330,7 @@
           </a:ln>
           <a:extLst>
             <a:ext uri="{AF507438-7753-43e0-B8FC-AC1667EBCBE1}">
-              <a14:hiddenEffects xmlns="" xmlns:a14="http://schemas.microsoft.com/office/drawing/2010/main">
+              <a14:hiddenEffects xmlns:a14="http://schemas.microsoft.com/office/drawing/2010/main" xmlns="">
                 <a:effectLst>
                   <a:outerShdw dist="35921" dir="2700000" algn="ctr" rotWithShape="0">
                     <a:schemeClr val="bg2"/>
@@ -24663,7 +24663,7 @@
           </a:ln>
           <a:extLst>
             <a:ext uri="{AF507438-7753-43e0-B8FC-AC1667EBCBE1}">
-              <a14:hiddenEffects xmlns="" xmlns:a14="http://schemas.microsoft.com/office/drawing/2010/main">
+              <a14:hiddenEffects xmlns:a14="http://schemas.microsoft.com/office/drawing/2010/main" xmlns="">
                 <a:effectLst>
                   <a:outerShdw dist="35921" dir="2700000" algn="ctr" rotWithShape="0">
                     <a:schemeClr val="bg2"/>
@@ -24857,14 +24857,14 @@
           <a:effectLst/>
           <a:extLst>
             <a:ext uri="{909E8E84-426E-40dd-AFC4-6F175D3DCCD1}">
-              <a14:hiddenFill xmlns:a14="http://schemas.microsoft.com/office/drawing/2010/main" xmlns="">
+              <a14:hiddenFill xmlns="" xmlns:a14="http://schemas.microsoft.com/office/drawing/2010/main">
                 <a:solidFill>
                   <a:schemeClr val="accent1"/>
                 </a:solidFill>
               </a14:hiddenFill>
             </a:ext>
             <a:ext uri="{91240B29-F687-4f45-9708-019B960494DF}">
-              <a14:hiddenLine xmlns:a14="http://schemas.microsoft.com/office/drawing/2010/main" xmlns="" w="9525">
+              <a14:hiddenLine xmlns="" xmlns:a14="http://schemas.microsoft.com/office/drawing/2010/main" w="9525">
                 <a:solidFill>
                   <a:schemeClr val="tx1"/>
                 </a:solidFill>
@@ -24874,7 +24874,7 @@
               </a14:hiddenLine>
             </a:ext>
             <a:ext uri="{AF507438-7753-43e0-B8FC-AC1667EBCBE1}">
-              <a14:hiddenEffects xmlns:a14="http://schemas.microsoft.com/office/drawing/2010/main" xmlns="">
+              <a14:hiddenEffects xmlns="" xmlns:a14="http://schemas.microsoft.com/office/drawing/2010/main">
                 <a:effectLst>
                   <a:outerShdw dist="35921" dir="2700000" algn="ctr" rotWithShape="0">
                     <a:schemeClr val="bg2"/>
@@ -26514,7 +26514,7 @@
           </a:ln>
           <a:extLst>
             <a:ext uri="{AF507438-7753-43e0-B8FC-AC1667EBCBE1}">
-              <a14:hiddenEffects xmlns="" xmlns:a14="http://schemas.microsoft.com/office/drawing/2010/main">
+              <a14:hiddenEffects xmlns:a14="http://schemas.microsoft.com/office/drawing/2010/main" xmlns="">
                 <a:effectLst>
                   <a:outerShdw dist="35921" dir="2700000" algn="ctr" rotWithShape="0">
                     <a:schemeClr val="bg2"/>
@@ -27059,7 +27059,7 @@
           <a:effectLst/>
           <a:extLst>
             <a:ext uri="{AF507438-7753-43e0-B8FC-AC1667EBCBE1}">
-              <a14:hiddenEffects xmlns="" xmlns:a14="http://schemas.microsoft.com/office/drawing/2010/main">
+              <a14:hiddenEffects xmlns:a14="http://schemas.microsoft.com/office/drawing/2010/main" xmlns="">
                 <a:effectLst>
                   <a:outerShdw dist="35921" dir="2700000" algn="ctr" rotWithShape="0">
                     <a:schemeClr val="bg2"/>
@@ -27141,7 +27141,7 @@
           <a:effectLst/>
           <a:extLst>
             <a:ext uri="{AF507438-7753-43e0-B8FC-AC1667EBCBE1}">
-              <a14:hiddenEffects xmlns="" xmlns:a14="http://schemas.microsoft.com/office/drawing/2010/main">
+              <a14:hiddenEffects xmlns:a14="http://schemas.microsoft.com/office/drawing/2010/main" xmlns="">
                 <a:effectLst>
                   <a:outerShdw dist="35921" dir="2700000" algn="ctr" rotWithShape="0">
                     <a:schemeClr val="bg2"/>
@@ -27223,7 +27223,7 @@
           <a:effectLst/>
           <a:extLst>
             <a:ext uri="{AF507438-7753-43e0-B8FC-AC1667EBCBE1}">
-              <a14:hiddenEffects xmlns="" xmlns:a14="http://schemas.microsoft.com/office/drawing/2010/main">
+              <a14:hiddenEffects xmlns:a14="http://schemas.microsoft.com/office/drawing/2010/main" xmlns="">
                 <a:effectLst>
                   <a:outerShdw dist="35921" dir="2700000" algn="ctr" rotWithShape="0">
                     <a:schemeClr val="bg2"/>
@@ -27305,7 +27305,7 @@
           <a:effectLst/>
           <a:extLst>
             <a:ext uri="{AF507438-7753-43e0-B8FC-AC1667EBCBE1}">
-              <a14:hiddenEffects xmlns="" xmlns:a14="http://schemas.microsoft.com/office/drawing/2010/main">
+              <a14:hiddenEffects xmlns:a14="http://schemas.microsoft.com/office/drawing/2010/main" xmlns="">
                 <a:effectLst>
                   <a:outerShdw dist="35921" dir="2700000" algn="ctr" rotWithShape="0">
                     <a:schemeClr val="bg2"/>
@@ -27387,7 +27387,7 @@
           <a:effectLst/>
           <a:extLst>
             <a:ext uri="{AF507438-7753-43e0-B8FC-AC1667EBCBE1}">
-              <a14:hiddenEffects xmlns="" xmlns:a14="http://schemas.microsoft.com/office/drawing/2010/main">
+              <a14:hiddenEffects xmlns:a14="http://schemas.microsoft.com/office/drawing/2010/main" xmlns="">
                 <a:effectLst>
                   <a:outerShdw dist="35921" dir="2700000" algn="ctr" rotWithShape="0">
                     <a:schemeClr val="bg2"/>
@@ -27469,7 +27469,7 @@
           <a:effectLst/>
           <a:extLst>
             <a:ext uri="{AF507438-7753-43e0-B8FC-AC1667EBCBE1}">
-              <a14:hiddenEffects xmlns="" xmlns:a14="http://schemas.microsoft.com/office/drawing/2010/main">
+              <a14:hiddenEffects xmlns:a14="http://schemas.microsoft.com/office/drawing/2010/main" xmlns="">
                 <a:effectLst>
                   <a:outerShdw dist="35921" dir="2700000" algn="ctr" rotWithShape="0">
                     <a:schemeClr val="bg2"/>
@@ -27546,7 +27546,7 @@
           </a:ln>
           <a:extLst>
             <a:ext uri="{AF507438-7753-43e0-B8FC-AC1667EBCBE1}">
-              <a14:hiddenEffects xmlns="" xmlns:a14="http://schemas.microsoft.com/office/drawing/2010/main">
+              <a14:hiddenEffects xmlns:a14="http://schemas.microsoft.com/office/drawing/2010/main" xmlns="">
                 <a:effectLst>
                   <a:outerShdw dist="35921" dir="2700000" algn="ctr" rotWithShape="0">
                     <a:schemeClr val="bg2"/>
@@ -27601,7 +27601,7 @@
           </a:ln>
           <a:extLst>
             <a:ext uri="{AF507438-7753-43e0-B8FC-AC1667EBCBE1}">
-              <a14:hiddenEffects xmlns="" xmlns:a14="http://schemas.microsoft.com/office/drawing/2010/main">
+              <a14:hiddenEffects xmlns:a14="http://schemas.microsoft.com/office/drawing/2010/main" xmlns="">
                 <a:effectLst>
                   <a:outerShdw dist="35921" dir="2700000" algn="ctr" rotWithShape="0">
                     <a:schemeClr val="bg2"/>
@@ -27656,7 +27656,7 @@
           </a:ln>
           <a:extLst>
             <a:ext uri="{AF507438-7753-43e0-B8FC-AC1667EBCBE1}">
-              <a14:hiddenEffects xmlns="" xmlns:a14="http://schemas.microsoft.com/office/drawing/2010/main">
+              <a14:hiddenEffects xmlns:a14="http://schemas.microsoft.com/office/drawing/2010/main" xmlns="">
                 <a:effectLst>
                   <a:outerShdw dist="35921" dir="2700000" algn="ctr" rotWithShape="0">
                     <a:schemeClr val="bg2"/>
@@ -27711,7 +27711,7 @@
           </a:ln>
           <a:extLst>
             <a:ext uri="{AF507438-7753-43e0-B8FC-AC1667EBCBE1}">
-              <a14:hiddenEffects xmlns="" xmlns:a14="http://schemas.microsoft.com/office/drawing/2010/main">
+              <a14:hiddenEffects xmlns:a14="http://schemas.microsoft.com/office/drawing/2010/main" xmlns="">
                 <a:effectLst>
                   <a:outerShdw dist="35921" dir="2700000" algn="ctr" rotWithShape="0">
                     <a:schemeClr val="bg2"/>
@@ -27766,7 +27766,7 @@
           </a:ln>
           <a:extLst>
             <a:ext uri="{AF507438-7753-43e0-B8FC-AC1667EBCBE1}">
-              <a14:hiddenEffects xmlns="" xmlns:a14="http://schemas.microsoft.com/office/drawing/2010/main">
+              <a14:hiddenEffects xmlns:a14="http://schemas.microsoft.com/office/drawing/2010/main" xmlns="">
                 <a:effectLst>
                   <a:outerShdw dist="35921" dir="2700000" algn="ctr" rotWithShape="0">
                     <a:schemeClr val="bg2"/>
@@ -27821,7 +27821,7 @@
           </a:ln>
           <a:extLst>
             <a:ext uri="{AF507438-7753-43e0-B8FC-AC1667EBCBE1}">
-              <a14:hiddenEffects xmlns="" xmlns:a14="http://schemas.microsoft.com/office/drawing/2010/main">
+              <a14:hiddenEffects xmlns:a14="http://schemas.microsoft.com/office/drawing/2010/main" xmlns="">
                 <a:effectLst>
                   <a:outerShdw dist="35921" dir="2700000" algn="ctr" rotWithShape="0">
                     <a:schemeClr val="bg2"/>
@@ -27881,7 +27881,7 @@
           <a:effectLst/>
           <a:extLst>
             <a:ext uri="{AF507438-7753-43e0-B8FC-AC1667EBCBE1}">
-              <a14:hiddenEffects xmlns="" xmlns:a14="http://schemas.microsoft.com/office/drawing/2010/main">
+              <a14:hiddenEffects xmlns:a14="http://schemas.microsoft.com/office/drawing/2010/main" xmlns="">
                 <a:effectLst>
                   <a:outerShdw dist="35921" dir="2700000" algn="ctr" rotWithShape="0">
                     <a:schemeClr val="bg2"/>
@@ -27963,7 +27963,7 @@
           <a:effectLst/>
           <a:extLst>
             <a:ext uri="{AF507438-7753-43e0-B8FC-AC1667EBCBE1}">
-              <a14:hiddenEffects xmlns="" xmlns:a14="http://schemas.microsoft.com/office/drawing/2010/main">
+              <a14:hiddenEffects xmlns:a14="http://schemas.microsoft.com/office/drawing/2010/main" xmlns="">
                 <a:effectLst>
                   <a:outerShdw dist="35921" dir="2700000" algn="ctr" rotWithShape="0">
                     <a:schemeClr val="bg2"/>
@@ -28045,7 +28045,7 @@
           <a:effectLst/>
           <a:extLst>
             <a:ext uri="{AF507438-7753-43e0-B8FC-AC1667EBCBE1}">
-              <a14:hiddenEffects xmlns="" xmlns:a14="http://schemas.microsoft.com/office/drawing/2010/main">
+              <a14:hiddenEffects xmlns:a14="http://schemas.microsoft.com/office/drawing/2010/main" xmlns="">
                 <a:effectLst>
                   <a:outerShdw dist="35921" dir="2700000" algn="ctr" rotWithShape="0">
                     <a:schemeClr val="bg2"/>
@@ -28127,7 +28127,7 @@
           <a:effectLst/>
           <a:extLst>
             <a:ext uri="{AF507438-7753-43e0-B8FC-AC1667EBCBE1}">
-              <a14:hiddenEffects xmlns="" xmlns:a14="http://schemas.microsoft.com/office/drawing/2010/main">
+              <a14:hiddenEffects xmlns:a14="http://schemas.microsoft.com/office/drawing/2010/main" xmlns="">
                 <a:effectLst>
                   <a:outerShdw dist="35921" dir="2700000" algn="ctr" rotWithShape="0">
                     <a:schemeClr val="bg2"/>
@@ -28209,7 +28209,7 @@
           <a:effectLst/>
           <a:extLst>
             <a:ext uri="{AF507438-7753-43e0-B8FC-AC1667EBCBE1}">
-              <a14:hiddenEffects xmlns="" xmlns:a14="http://schemas.microsoft.com/office/drawing/2010/main">
+              <a14:hiddenEffects xmlns:a14="http://schemas.microsoft.com/office/drawing/2010/main" xmlns="">
                 <a:effectLst>
                   <a:outerShdw dist="35921" dir="2700000" algn="ctr" rotWithShape="0">
                     <a:schemeClr val="bg2"/>
@@ -28291,7 +28291,7 @@
           <a:effectLst/>
           <a:extLst>
             <a:ext uri="{AF507438-7753-43e0-B8FC-AC1667EBCBE1}">
-              <a14:hiddenEffects xmlns="" xmlns:a14="http://schemas.microsoft.com/office/drawing/2010/main">
+              <a14:hiddenEffects xmlns:a14="http://schemas.microsoft.com/office/drawing/2010/main" xmlns="">
                 <a:effectLst>
                   <a:outerShdw dist="35921" dir="2700000" algn="ctr" rotWithShape="0">
                     <a:schemeClr val="bg2"/>
@@ -28368,7 +28368,7 @@
           </a:ln>
           <a:extLst>
             <a:ext uri="{AF507438-7753-43e0-B8FC-AC1667EBCBE1}">
-              <a14:hiddenEffects xmlns="" xmlns:a14="http://schemas.microsoft.com/office/drawing/2010/main">
+              <a14:hiddenEffects xmlns:a14="http://schemas.microsoft.com/office/drawing/2010/main" xmlns="">
                 <a:effectLst>
                   <a:outerShdw dist="35921" dir="2700000" algn="ctr" rotWithShape="0">
                     <a:schemeClr val="bg2"/>
@@ -28423,7 +28423,7 @@
           </a:ln>
           <a:extLst>
             <a:ext uri="{AF507438-7753-43e0-B8FC-AC1667EBCBE1}">
-              <a14:hiddenEffects xmlns="" xmlns:a14="http://schemas.microsoft.com/office/drawing/2010/main">
+              <a14:hiddenEffects xmlns:a14="http://schemas.microsoft.com/office/drawing/2010/main" xmlns="">
                 <a:effectLst>
                   <a:outerShdw dist="35921" dir="2700000" algn="ctr" rotWithShape="0">
                     <a:schemeClr val="bg2"/>
@@ -28478,7 +28478,7 @@
           </a:ln>
           <a:extLst>
             <a:ext uri="{AF507438-7753-43e0-B8FC-AC1667EBCBE1}">
-              <a14:hiddenEffects xmlns="" xmlns:a14="http://schemas.microsoft.com/office/drawing/2010/main">
+              <a14:hiddenEffects xmlns:a14="http://schemas.microsoft.com/office/drawing/2010/main" xmlns="">
                 <a:effectLst>
                   <a:outerShdw dist="35921" dir="2700000" algn="ctr" rotWithShape="0">
                     <a:schemeClr val="bg2"/>
@@ -28533,7 +28533,7 @@
           </a:ln>
           <a:extLst>
             <a:ext uri="{AF507438-7753-43e0-B8FC-AC1667EBCBE1}">
-              <a14:hiddenEffects xmlns="" xmlns:a14="http://schemas.microsoft.com/office/drawing/2010/main">
+              <a14:hiddenEffects xmlns:a14="http://schemas.microsoft.com/office/drawing/2010/main" xmlns="">
                 <a:effectLst>
                   <a:outerShdw dist="35921" dir="2700000" algn="ctr" rotWithShape="0">
                     <a:schemeClr val="bg2"/>
@@ -28588,7 +28588,7 @@
           </a:ln>
           <a:extLst>
             <a:ext uri="{AF507438-7753-43e0-B8FC-AC1667EBCBE1}">
-              <a14:hiddenEffects xmlns="" xmlns:a14="http://schemas.microsoft.com/office/drawing/2010/main">
+              <a14:hiddenEffects xmlns:a14="http://schemas.microsoft.com/office/drawing/2010/main" xmlns="">
                 <a:effectLst>
                   <a:outerShdw dist="35921" dir="2700000" algn="ctr" rotWithShape="0">
                     <a:schemeClr val="bg2"/>
@@ -28643,7 +28643,7 @@
           </a:ln>
           <a:extLst>
             <a:ext uri="{AF507438-7753-43e0-B8FC-AC1667EBCBE1}">
-              <a14:hiddenEffects xmlns="" xmlns:a14="http://schemas.microsoft.com/office/drawing/2010/main">
+              <a14:hiddenEffects xmlns:a14="http://schemas.microsoft.com/office/drawing/2010/main" xmlns="">
                 <a:effectLst>
                   <a:outerShdw dist="35921" dir="2700000" algn="ctr" rotWithShape="0">
                     <a:schemeClr val="bg2"/>
@@ -28703,7 +28703,7 @@
           <a:effectLst/>
           <a:extLst>
             <a:ext uri="{AF507438-7753-43e0-B8FC-AC1667EBCBE1}">
-              <a14:hiddenEffects xmlns="" xmlns:a14="http://schemas.microsoft.com/office/drawing/2010/main">
+              <a14:hiddenEffects xmlns:a14="http://schemas.microsoft.com/office/drawing/2010/main" xmlns="">
                 <a:effectLst>
                   <a:outerShdw dist="35921" dir="2700000" algn="ctr" rotWithShape="0">
                     <a:schemeClr val="bg2"/>
@@ -28785,7 +28785,7 @@
           <a:effectLst/>
           <a:extLst>
             <a:ext uri="{AF507438-7753-43e0-B8FC-AC1667EBCBE1}">
-              <a14:hiddenEffects xmlns="" xmlns:a14="http://schemas.microsoft.com/office/drawing/2010/main">
+              <a14:hiddenEffects xmlns:a14="http://schemas.microsoft.com/office/drawing/2010/main" xmlns="">
                 <a:effectLst>
                   <a:outerShdw dist="35921" dir="2700000" algn="ctr" rotWithShape="0">
                     <a:schemeClr val="bg2"/>
@@ -28867,7 +28867,7 @@
           <a:effectLst/>
           <a:extLst>
             <a:ext uri="{AF507438-7753-43e0-B8FC-AC1667EBCBE1}">
-              <a14:hiddenEffects xmlns="" xmlns:a14="http://schemas.microsoft.com/office/drawing/2010/main">
+              <a14:hiddenEffects xmlns:a14="http://schemas.microsoft.com/office/drawing/2010/main" xmlns="">
                 <a:effectLst>
                   <a:outerShdw dist="35921" dir="2700000" algn="ctr" rotWithShape="0">
                     <a:schemeClr val="bg2"/>
@@ -28949,7 +28949,7 @@
           <a:effectLst/>
           <a:extLst>
             <a:ext uri="{AF507438-7753-43e0-B8FC-AC1667EBCBE1}">
-              <a14:hiddenEffects xmlns="" xmlns:a14="http://schemas.microsoft.com/office/drawing/2010/main">
+              <a14:hiddenEffects xmlns:a14="http://schemas.microsoft.com/office/drawing/2010/main" xmlns="">
                 <a:effectLst>
                   <a:outerShdw dist="35921" dir="2700000" algn="ctr" rotWithShape="0">
                     <a:schemeClr val="bg2"/>
@@ -29031,7 +29031,7 @@
           <a:effectLst/>
           <a:extLst>
             <a:ext uri="{AF507438-7753-43e0-B8FC-AC1667EBCBE1}">
-              <a14:hiddenEffects xmlns="" xmlns:a14="http://schemas.microsoft.com/office/drawing/2010/main">
+              <a14:hiddenEffects xmlns:a14="http://schemas.microsoft.com/office/drawing/2010/main" xmlns="">
                 <a:effectLst>
                   <a:outerShdw dist="35921" dir="2700000" algn="ctr" rotWithShape="0">
                     <a:schemeClr val="bg2"/>
@@ -29113,7 +29113,7 @@
           <a:effectLst/>
           <a:extLst>
             <a:ext uri="{AF507438-7753-43e0-B8FC-AC1667EBCBE1}">
-              <a14:hiddenEffects xmlns="" xmlns:a14="http://schemas.microsoft.com/office/drawing/2010/main">
+              <a14:hiddenEffects xmlns:a14="http://schemas.microsoft.com/office/drawing/2010/main" xmlns="">
                 <a:effectLst>
                   <a:outerShdw dist="35921" dir="2700000" algn="ctr" rotWithShape="0">
                     <a:schemeClr val="bg2"/>
@@ -29190,7 +29190,7 @@
           </a:ln>
           <a:extLst>
             <a:ext uri="{AF507438-7753-43e0-B8FC-AC1667EBCBE1}">
-              <a14:hiddenEffects xmlns="" xmlns:a14="http://schemas.microsoft.com/office/drawing/2010/main">
+              <a14:hiddenEffects xmlns:a14="http://schemas.microsoft.com/office/drawing/2010/main" xmlns="">
                 <a:effectLst>
                   <a:outerShdw dist="35921" dir="2700000" algn="ctr" rotWithShape="0">
                     <a:schemeClr val="bg2"/>
@@ -29245,7 +29245,7 @@
           </a:ln>
           <a:extLst>
             <a:ext uri="{AF507438-7753-43e0-B8FC-AC1667EBCBE1}">
-              <a14:hiddenEffects xmlns="" xmlns:a14="http://schemas.microsoft.com/office/drawing/2010/main">
+              <a14:hiddenEffects xmlns:a14="http://schemas.microsoft.com/office/drawing/2010/main" xmlns="">
                 <a:effectLst>
                   <a:outerShdw dist="35921" dir="2700000" algn="ctr" rotWithShape="0">
                     <a:schemeClr val="bg2"/>
@@ -29300,7 +29300,7 @@
           </a:ln>
           <a:extLst>
             <a:ext uri="{AF507438-7753-43e0-B8FC-AC1667EBCBE1}">
-              <a14:hiddenEffects xmlns="" xmlns:a14="http://schemas.microsoft.com/office/drawing/2010/main">
+              <a14:hiddenEffects xmlns:a14="http://schemas.microsoft.com/office/drawing/2010/main" xmlns="">
                 <a:effectLst>
                   <a:outerShdw dist="35921" dir="2700000" algn="ctr" rotWithShape="0">
                     <a:schemeClr val="bg2"/>
@@ -29355,7 +29355,7 @@
           </a:ln>
           <a:extLst>
             <a:ext uri="{AF507438-7753-43e0-B8FC-AC1667EBCBE1}">
-              <a14:hiddenEffects xmlns="" xmlns:a14="http://schemas.microsoft.com/office/drawing/2010/main">
+              <a14:hiddenEffects xmlns:a14="http://schemas.microsoft.com/office/drawing/2010/main" xmlns="">
                 <a:effectLst>
                   <a:outerShdw dist="35921" dir="2700000" algn="ctr" rotWithShape="0">
                     <a:schemeClr val="bg2"/>
@@ -29410,7 +29410,7 @@
           </a:ln>
           <a:extLst>
             <a:ext uri="{AF507438-7753-43e0-B8FC-AC1667EBCBE1}">
-              <a14:hiddenEffects xmlns="" xmlns:a14="http://schemas.microsoft.com/office/drawing/2010/main">
+              <a14:hiddenEffects xmlns:a14="http://schemas.microsoft.com/office/drawing/2010/main" xmlns="">
                 <a:effectLst>
                   <a:outerShdw dist="35921" dir="2700000" algn="ctr" rotWithShape="0">
                     <a:schemeClr val="bg2"/>
@@ -29465,7 +29465,7 @@
           </a:ln>
           <a:extLst>
             <a:ext uri="{AF507438-7753-43e0-B8FC-AC1667EBCBE1}">
-              <a14:hiddenEffects xmlns="" xmlns:a14="http://schemas.microsoft.com/office/drawing/2010/main">
+              <a14:hiddenEffects xmlns:a14="http://schemas.microsoft.com/office/drawing/2010/main" xmlns="">
                 <a:effectLst>
                   <a:outerShdw dist="35921" dir="2700000" algn="ctr" rotWithShape="0">
                     <a:schemeClr val="bg2"/>
@@ -29525,7 +29525,7 @@
           <a:effectLst/>
           <a:extLst>
             <a:ext uri="{AF507438-7753-43e0-B8FC-AC1667EBCBE1}">
-              <a14:hiddenEffects xmlns="" xmlns:a14="http://schemas.microsoft.com/office/drawing/2010/main">
+              <a14:hiddenEffects xmlns:a14="http://schemas.microsoft.com/office/drawing/2010/main" xmlns="">
                 <a:effectLst>
                   <a:outerShdw dist="35921" dir="2700000" algn="ctr" rotWithShape="0">
                     <a:schemeClr val="bg2"/>
@@ -29607,7 +29607,7 @@
           <a:effectLst/>
           <a:extLst>
             <a:ext uri="{AF507438-7753-43e0-B8FC-AC1667EBCBE1}">
-              <a14:hiddenEffects xmlns="" xmlns:a14="http://schemas.microsoft.com/office/drawing/2010/main">
+              <a14:hiddenEffects xmlns:a14="http://schemas.microsoft.com/office/drawing/2010/main" xmlns="">
                 <a:effectLst>
                   <a:outerShdw dist="35921" dir="2700000" algn="ctr" rotWithShape="0">
                     <a:schemeClr val="bg2"/>
@@ -29689,7 +29689,7 @@
           <a:effectLst/>
           <a:extLst>
             <a:ext uri="{AF507438-7753-43e0-B8FC-AC1667EBCBE1}">
-              <a14:hiddenEffects xmlns="" xmlns:a14="http://schemas.microsoft.com/office/drawing/2010/main">
+              <a14:hiddenEffects xmlns:a14="http://schemas.microsoft.com/office/drawing/2010/main" xmlns="">
                 <a:effectLst>
                   <a:outerShdw dist="35921" dir="2700000" algn="ctr" rotWithShape="0">
                     <a:schemeClr val="bg2"/>
@@ -29771,7 +29771,7 @@
           <a:effectLst/>
           <a:extLst>
             <a:ext uri="{AF507438-7753-43e0-B8FC-AC1667EBCBE1}">
-              <a14:hiddenEffects xmlns="" xmlns:a14="http://schemas.microsoft.com/office/drawing/2010/main">
+              <a14:hiddenEffects xmlns:a14="http://schemas.microsoft.com/office/drawing/2010/main" xmlns="">
                 <a:effectLst>
                   <a:outerShdw dist="35921" dir="2700000" algn="ctr" rotWithShape="0">
                     <a:schemeClr val="bg2"/>
@@ -29853,7 +29853,7 @@
           <a:effectLst/>
           <a:extLst>
             <a:ext uri="{AF507438-7753-43e0-B8FC-AC1667EBCBE1}">
-              <a14:hiddenEffects xmlns="" xmlns:a14="http://schemas.microsoft.com/office/drawing/2010/main">
+              <a14:hiddenEffects xmlns:a14="http://schemas.microsoft.com/office/drawing/2010/main" xmlns="">
                 <a:effectLst>
                   <a:outerShdw dist="35921" dir="2700000" algn="ctr" rotWithShape="0">
                     <a:schemeClr val="bg2"/>
@@ -29935,7 +29935,7 @@
           <a:effectLst/>
           <a:extLst>
             <a:ext uri="{AF507438-7753-43e0-B8FC-AC1667EBCBE1}">
-              <a14:hiddenEffects xmlns="" xmlns:a14="http://schemas.microsoft.com/office/drawing/2010/main">
+              <a14:hiddenEffects xmlns:a14="http://schemas.microsoft.com/office/drawing/2010/main" xmlns="">
                 <a:effectLst>
                   <a:outerShdw dist="35921" dir="2700000" algn="ctr" rotWithShape="0">
                     <a:schemeClr val="bg2"/>
@@ -30012,7 +30012,7 @@
           </a:ln>
           <a:extLst>
             <a:ext uri="{AF507438-7753-43e0-B8FC-AC1667EBCBE1}">
-              <a14:hiddenEffects xmlns="" xmlns:a14="http://schemas.microsoft.com/office/drawing/2010/main">
+              <a14:hiddenEffects xmlns:a14="http://schemas.microsoft.com/office/drawing/2010/main" xmlns="">
                 <a:effectLst>
                   <a:outerShdw dist="35921" dir="2700000" algn="ctr" rotWithShape="0">
                     <a:schemeClr val="bg2"/>
@@ -30067,7 +30067,7 @@
           </a:ln>
           <a:extLst>
             <a:ext uri="{AF507438-7753-43e0-B8FC-AC1667EBCBE1}">
-              <a14:hiddenEffects xmlns="" xmlns:a14="http://schemas.microsoft.com/office/drawing/2010/main">
+              <a14:hiddenEffects xmlns:a14="http://schemas.microsoft.com/office/drawing/2010/main" xmlns="">
                 <a:effectLst>
                   <a:outerShdw dist="35921" dir="2700000" algn="ctr" rotWithShape="0">
                     <a:schemeClr val="bg2"/>
@@ -30122,7 +30122,7 @@
           </a:ln>
           <a:extLst>
             <a:ext uri="{AF507438-7753-43e0-B8FC-AC1667EBCBE1}">
-              <a14:hiddenEffects xmlns="" xmlns:a14="http://schemas.microsoft.com/office/drawing/2010/main">
+              <a14:hiddenEffects xmlns:a14="http://schemas.microsoft.com/office/drawing/2010/main" xmlns="">
                 <a:effectLst>
                   <a:outerShdw dist="35921" dir="2700000" algn="ctr" rotWithShape="0">
                     <a:schemeClr val="bg2"/>
@@ -30177,7 +30177,7 @@
           </a:ln>
           <a:extLst>
             <a:ext uri="{AF507438-7753-43e0-B8FC-AC1667EBCBE1}">
-              <a14:hiddenEffects xmlns="" xmlns:a14="http://schemas.microsoft.com/office/drawing/2010/main">
+              <a14:hiddenEffects xmlns:a14="http://schemas.microsoft.com/office/drawing/2010/main" xmlns="">
                 <a:effectLst>
                   <a:outerShdw dist="35921" dir="2700000" algn="ctr" rotWithShape="0">
                     <a:schemeClr val="bg2"/>
@@ -30232,7 +30232,7 @@
           </a:ln>
           <a:extLst>
             <a:ext uri="{AF507438-7753-43e0-B8FC-AC1667EBCBE1}">
-              <a14:hiddenEffects xmlns="" xmlns:a14="http://schemas.microsoft.com/office/drawing/2010/main">
+              <a14:hiddenEffects xmlns:a14="http://schemas.microsoft.com/office/drawing/2010/main" xmlns="">
                 <a:effectLst>
                   <a:outerShdw dist="35921" dir="2700000" algn="ctr" rotWithShape="0">
                     <a:schemeClr val="bg2"/>
@@ -30287,7 +30287,7 @@
           </a:ln>
           <a:extLst>
             <a:ext uri="{AF507438-7753-43e0-B8FC-AC1667EBCBE1}">
-              <a14:hiddenEffects xmlns="" xmlns:a14="http://schemas.microsoft.com/office/drawing/2010/main">
+              <a14:hiddenEffects xmlns:a14="http://schemas.microsoft.com/office/drawing/2010/main" xmlns="">
                 <a:effectLst>
                   <a:outerShdw dist="35921" dir="2700000" algn="ctr" rotWithShape="0">
                     <a:schemeClr val="bg2"/>
@@ -30342,7 +30342,7 @@
           </a:ln>
           <a:extLst>
             <a:ext uri="{AF507438-7753-43e0-B8FC-AC1667EBCBE1}">
-              <a14:hiddenEffects xmlns="" xmlns:a14="http://schemas.microsoft.com/office/drawing/2010/main">
+              <a14:hiddenEffects xmlns:a14="http://schemas.microsoft.com/office/drawing/2010/main" xmlns="">
                 <a:effectLst>
                   <a:outerShdw dist="35921" dir="2700000" algn="ctr" rotWithShape="0">
                     <a:schemeClr val="bg2"/>
@@ -30397,7 +30397,7 @@
           </a:ln>
           <a:extLst>
             <a:ext uri="{AF507438-7753-43e0-B8FC-AC1667EBCBE1}">
-              <a14:hiddenEffects xmlns="" xmlns:a14="http://schemas.microsoft.com/office/drawing/2010/main">
+              <a14:hiddenEffects xmlns:a14="http://schemas.microsoft.com/office/drawing/2010/main" xmlns="">
                 <a:effectLst>
                   <a:outerShdw dist="35921" dir="2700000" algn="ctr" rotWithShape="0">
                     <a:schemeClr val="bg2"/>
@@ -30452,7 +30452,7 @@
           </a:ln>
           <a:extLst>
             <a:ext uri="{AF507438-7753-43e0-B8FC-AC1667EBCBE1}">
-              <a14:hiddenEffects xmlns="" xmlns:a14="http://schemas.microsoft.com/office/drawing/2010/main">
+              <a14:hiddenEffects xmlns:a14="http://schemas.microsoft.com/office/drawing/2010/main" xmlns="">
                 <a:effectLst>
                   <a:outerShdw dist="35921" dir="2700000" algn="ctr" rotWithShape="0">
                     <a:schemeClr val="bg2"/>
@@ -30507,7 +30507,7 @@
           </a:ln>
           <a:extLst>
             <a:ext uri="{AF507438-7753-43e0-B8FC-AC1667EBCBE1}">
-              <a14:hiddenEffects xmlns="" xmlns:a14="http://schemas.microsoft.com/office/drawing/2010/main">
+              <a14:hiddenEffects xmlns:a14="http://schemas.microsoft.com/office/drawing/2010/main" xmlns="">
                 <a:effectLst>
                   <a:outerShdw dist="35921" dir="2700000" algn="ctr" rotWithShape="0">
                     <a:schemeClr val="bg2"/>
@@ -30562,7 +30562,7 @@
           </a:ln>
           <a:extLst>
             <a:ext uri="{AF507438-7753-43e0-B8FC-AC1667EBCBE1}">
-              <a14:hiddenEffects xmlns="" xmlns:a14="http://schemas.microsoft.com/office/drawing/2010/main">
+              <a14:hiddenEffects xmlns:a14="http://schemas.microsoft.com/office/drawing/2010/main" xmlns="">
                 <a:effectLst>
                   <a:outerShdw dist="35921" dir="2700000" algn="ctr" rotWithShape="0">
                     <a:schemeClr val="bg2"/>
@@ -30617,7 +30617,7 @@
           </a:ln>
           <a:extLst>
             <a:ext uri="{AF507438-7753-43e0-B8FC-AC1667EBCBE1}">
-              <a14:hiddenEffects xmlns="" xmlns:a14="http://schemas.microsoft.com/office/drawing/2010/main">
+              <a14:hiddenEffects xmlns:a14="http://schemas.microsoft.com/office/drawing/2010/main" xmlns="">
                 <a:effectLst>
                   <a:outerShdw dist="35921" dir="2700000" algn="ctr" rotWithShape="0">
                     <a:schemeClr val="bg2"/>
@@ -30706,7 +30706,7 @@
           </a:ln>
           <a:extLst>
             <a:ext uri="{AF507438-7753-43e0-B8FC-AC1667EBCBE1}">
-              <a14:hiddenEffects xmlns="" xmlns:a14="http://schemas.microsoft.com/office/drawing/2010/main">
+              <a14:hiddenEffects xmlns:a14="http://schemas.microsoft.com/office/drawing/2010/main" xmlns="">
                 <a:effectLst>
                   <a:outerShdw dist="35921" dir="2700000" algn="ctr" rotWithShape="0">
                     <a:schemeClr val="bg2"/>
@@ -30831,7 +30831,7 @@
           </a:ln>
           <a:extLst>
             <a:ext uri="{AF507438-7753-43e0-B8FC-AC1667EBCBE1}">
-              <a14:hiddenEffects xmlns="" xmlns:a14="http://schemas.microsoft.com/office/drawing/2010/main">
+              <a14:hiddenEffects xmlns:a14="http://schemas.microsoft.com/office/drawing/2010/main" xmlns="">
                 <a:effectLst>
                   <a:outerShdw dist="35921" dir="2700000" algn="ctr" rotWithShape="0">
                     <a:schemeClr val="bg2"/>
@@ -30956,7 +30956,7 @@
           </a:ln>
           <a:extLst>
             <a:ext uri="{AF507438-7753-43e0-B8FC-AC1667EBCBE1}">
-              <a14:hiddenEffects xmlns="" xmlns:a14="http://schemas.microsoft.com/office/drawing/2010/main">
+              <a14:hiddenEffects xmlns:a14="http://schemas.microsoft.com/office/drawing/2010/main" xmlns="">
                 <a:effectLst>
                   <a:outerShdw dist="35921" dir="2700000" algn="ctr" rotWithShape="0">
                     <a:schemeClr val="bg2"/>
@@ -31045,7 +31045,7 @@
           </a:ln>
           <a:extLst>
             <a:ext uri="{AF507438-7753-43e0-B8FC-AC1667EBCBE1}">
-              <a14:hiddenEffects xmlns="" xmlns:a14="http://schemas.microsoft.com/office/drawing/2010/main">
+              <a14:hiddenEffects xmlns:a14="http://schemas.microsoft.com/office/drawing/2010/main" xmlns="">
                 <a:effectLst>
                   <a:outerShdw dist="35921" dir="2700000" algn="ctr" rotWithShape="0">
                     <a:schemeClr val="bg2"/>
@@ -31098,7 +31098,7 @@
           </a:ln>
           <a:extLst>
             <a:ext uri="{AF507438-7753-43e0-B8FC-AC1667EBCBE1}">
-              <a14:hiddenEffects xmlns="" xmlns:a14="http://schemas.microsoft.com/office/drawing/2010/main">
+              <a14:hiddenEffects xmlns:a14="http://schemas.microsoft.com/office/drawing/2010/main" xmlns="">
                 <a:effectLst>
                   <a:outerShdw dist="35921" dir="2700000" algn="ctr" rotWithShape="0">
                     <a:schemeClr val="bg2"/>
@@ -31151,7 +31151,7 @@
           </a:ln>
           <a:extLst>
             <a:ext uri="{AF507438-7753-43e0-B8FC-AC1667EBCBE1}">
-              <a14:hiddenEffects xmlns="" xmlns:a14="http://schemas.microsoft.com/office/drawing/2010/main">
+              <a14:hiddenEffects xmlns:a14="http://schemas.microsoft.com/office/drawing/2010/main" xmlns="">
                 <a:effectLst>
                   <a:outerShdw dist="35921" dir="2700000" algn="ctr" rotWithShape="0">
                     <a:schemeClr val="bg2"/>
@@ -31202,7 +31202,7 @@
           </a:ln>
           <a:extLst>
             <a:ext uri="{AF507438-7753-43e0-B8FC-AC1667EBCBE1}">
-              <a14:hiddenEffects xmlns="" xmlns:a14="http://schemas.microsoft.com/office/drawing/2010/main">
+              <a14:hiddenEffects xmlns:a14="http://schemas.microsoft.com/office/drawing/2010/main" xmlns="">
                 <a:effectLst>
                   <a:outerShdw dist="35921" dir="2700000" algn="ctr" rotWithShape="0">
                     <a:schemeClr val="bg2"/>
@@ -31253,7 +31253,7 @@
           </a:ln>
           <a:extLst>
             <a:ext uri="{AF507438-7753-43e0-B8FC-AC1667EBCBE1}">
-              <a14:hiddenEffects xmlns="" xmlns:a14="http://schemas.microsoft.com/office/drawing/2010/main">
+              <a14:hiddenEffects xmlns:a14="http://schemas.microsoft.com/office/drawing/2010/main" xmlns="">
                 <a:effectLst>
                   <a:outerShdw dist="35921" dir="2700000" algn="ctr" rotWithShape="0">
                     <a:schemeClr val="bg2"/>
@@ -31469,7 +31469,7 @@
           </a:ln>
           <a:extLst>
             <a:ext uri="{AF507438-7753-43e0-B8FC-AC1667EBCBE1}">
-              <a14:hiddenEffects xmlns="" xmlns:a14="http://schemas.microsoft.com/office/drawing/2010/main">
+              <a14:hiddenEffects xmlns:a14="http://schemas.microsoft.com/office/drawing/2010/main" xmlns="">
                 <a:effectLst>
                   <a:outerShdw dist="35921" dir="2700000" algn="ctr" rotWithShape="0">
                     <a:schemeClr val="bg2"/>
@@ -31630,7 +31630,7 @@
           </a:ln>
           <a:extLst>
             <a:ext uri="{AF507438-7753-43e0-B8FC-AC1667EBCBE1}">
-              <a14:hiddenEffects xmlns="" xmlns:a14="http://schemas.microsoft.com/office/drawing/2010/main">
+              <a14:hiddenEffects xmlns:a14="http://schemas.microsoft.com/office/drawing/2010/main" xmlns="">
                 <a:effectLst>
                   <a:outerShdw dist="35921" dir="2700000" algn="ctr" rotWithShape="0">
                     <a:schemeClr val="bg2"/>
@@ -31726,7 +31726,7 @@
           <a:effectLst/>
           <a:extLst>
             <a:ext uri="{AF507438-7753-43e0-B8FC-AC1667EBCBE1}">
-              <a14:hiddenEffects xmlns="" xmlns:a14="http://schemas.microsoft.com/office/drawing/2010/main">
+              <a14:hiddenEffects xmlns:a14="http://schemas.microsoft.com/office/drawing/2010/main" xmlns="">
                 <a:effectLst>
                   <a:outerShdw dist="35921" dir="2700000" algn="ctr" rotWithShape="0">
                     <a:schemeClr val="bg2"/>
@@ -31808,7 +31808,7 @@
           <a:effectLst/>
           <a:extLst>
             <a:ext uri="{AF507438-7753-43e0-B8FC-AC1667EBCBE1}">
-              <a14:hiddenEffects xmlns="" xmlns:a14="http://schemas.microsoft.com/office/drawing/2010/main">
+              <a14:hiddenEffects xmlns:a14="http://schemas.microsoft.com/office/drawing/2010/main" xmlns="">
                 <a:effectLst>
                   <a:outerShdw dist="35921" dir="2700000" algn="ctr" rotWithShape="0">
                     <a:schemeClr val="bg2"/>
@@ -31890,7 +31890,7 @@
           <a:effectLst/>
           <a:extLst>
             <a:ext uri="{AF507438-7753-43e0-B8FC-AC1667EBCBE1}">
-              <a14:hiddenEffects xmlns="" xmlns:a14="http://schemas.microsoft.com/office/drawing/2010/main">
+              <a14:hiddenEffects xmlns:a14="http://schemas.microsoft.com/office/drawing/2010/main" xmlns="">
                 <a:effectLst>
                   <a:outerShdw dist="35921" dir="2700000" algn="ctr" rotWithShape="0">
                     <a:schemeClr val="bg2"/>
@@ -31972,7 +31972,7 @@
           <a:effectLst/>
           <a:extLst>
             <a:ext uri="{AF507438-7753-43e0-B8FC-AC1667EBCBE1}">
-              <a14:hiddenEffects xmlns="" xmlns:a14="http://schemas.microsoft.com/office/drawing/2010/main">
+              <a14:hiddenEffects xmlns:a14="http://schemas.microsoft.com/office/drawing/2010/main" xmlns="">
                 <a:effectLst>
                   <a:outerShdw dist="35921" dir="2700000" algn="ctr" rotWithShape="0">
                     <a:schemeClr val="bg2"/>
@@ -32054,7 +32054,7 @@
           <a:effectLst/>
           <a:extLst>
             <a:ext uri="{AF507438-7753-43e0-B8FC-AC1667EBCBE1}">
-              <a14:hiddenEffects xmlns="" xmlns:a14="http://schemas.microsoft.com/office/drawing/2010/main">
+              <a14:hiddenEffects xmlns:a14="http://schemas.microsoft.com/office/drawing/2010/main" xmlns="">
                 <a:effectLst>
                   <a:outerShdw dist="35921" dir="2700000" algn="ctr" rotWithShape="0">
                     <a:schemeClr val="bg2"/>
@@ -32136,7 +32136,7 @@
           <a:effectLst/>
           <a:extLst>
             <a:ext uri="{AF507438-7753-43e0-B8FC-AC1667EBCBE1}">
-              <a14:hiddenEffects xmlns="" xmlns:a14="http://schemas.microsoft.com/office/drawing/2010/main">
+              <a14:hiddenEffects xmlns:a14="http://schemas.microsoft.com/office/drawing/2010/main" xmlns="">
                 <a:effectLst>
                   <a:outerShdw dist="35921" dir="2700000" algn="ctr" rotWithShape="0">
                     <a:schemeClr val="bg2"/>
@@ -32213,7 +32213,7 @@
           </a:ln>
           <a:extLst>
             <a:ext uri="{AF507438-7753-43e0-B8FC-AC1667EBCBE1}">
-              <a14:hiddenEffects xmlns="" xmlns:a14="http://schemas.microsoft.com/office/drawing/2010/main">
+              <a14:hiddenEffects xmlns:a14="http://schemas.microsoft.com/office/drawing/2010/main" xmlns="">
                 <a:effectLst>
                   <a:outerShdw dist="35921" dir="2700000" algn="ctr" rotWithShape="0">
                     <a:schemeClr val="bg2"/>
@@ -32268,7 +32268,7 @@
           </a:ln>
           <a:extLst>
             <a:ext uri="{AF507438-7753-43e0-B8FC-AC1667EBCBE1}">
-              <a14:hiddenEffects xmlns="" xmlns:a14="http://schemas.microsoft.com/office/drawing/2010/main">
+              <a14:hiddenEffects xmlns:a14="http://schemas.microsoft.com/office/drawing/2010/main" xmlns="">
                 <a:effectLst>
                   <a:outerShdw dist="35921" dir="2700000" algn="ctr" rotWithShape="0">
                     <a:schemeClr val="bg2"/>
@@ -32323,7 +32323,7 @@
           </a:ln>
           <a:extLst>
             <a:ext uri="{AF507438-7753-43e0-B8FC-AC1667EBCBE1}">
-              <a14:hiddenEffects xmlns="" xmlns:a14="http://schemas.microsoft.com/office/drawing/2010/main">
+              <a14:hiddenEffects xmlns:a14="http://schemas.microsoft.com/office/drawing/2010/main" xmlns="">
                 <a:effectLst>
                   <a:outerShdw dist="35921" dir="2700000" algn="ctr" rotWithShape="0">
                     <a:schemeClr val="bg2"/>
@@ -32378,7 +32378,7 @@
           </a:ln>
           <a:extLst>
             <a:ext uri="{AF507438-7753-43e0-B8FC-AC1667EBCBE1}">
-              <a14:hiddenEffects xmlns="" xmlns:a14="http://schemas.microsoft.com/office/drawing/2010/main">
+              <a14:hiddenEffects xmlns:a14="http://schemas.microsoft.com/office/drawing/2010/main" xmlns="">
                 <a:effectLst>
                   <a:outerShdw dist="35921" dir="2700000" algn="ctr" rotWithShape="0">
                     <a:schemeClr val="bg2"/>
@@ -32433,7 +32433,7 @@
           </a:ln>
           <a:extLst>
             <a:ext uri="{AF507438-7753-43e0-B8FC-AC1667EBCBE1}">
-              <a14:hiddenEffects xmlns="" xmlns:a14="http://schemas.microsoft.com/office/drawing/2010/main">
+              <a14:hiddenEffects xmlns:a14="http://schemas.microsoft.com/office/drawing/2010/main" xmlns="">
                 <a:effectLst>
                   <a:outerShdw dist="35921" dir="2700000" algn="ctr" rotWithShape="0">
                     <a:schemeClr val="bg2"/>
@@ -32488,7 +32488,7 @@
           </a:ln>
           <a:extLst>
             <a:ext uri="{AF507438-7753-43e0-B8FC-AC1667EBCBE1}">
-              <a14:hiddenEffects xmlns="" xmlns:a14="http://schemas.microsoft.com/office/drawing/2010/main">
+              <a14:hiddenEffects xmlns:a14="http://schemas.microsoft.com/office/drawing/2010/main" xmlns="">
                 <a:effectLst>
                   <a:outerShdw dist="35921" dir="2700000" algn="ctr" rotWithShape="0">
                     <a:schemeClr val="bg2"/>
@@ -32539,7 +32539,7 @@
           </a:ln>
           <a:extLst>
             <a:ext uri="{AF507438-7753-43e0-B8FC-AC1667EBCBE1}">
-              <a14:hiddenEffects xmlns="" xmlns:a14="http://schemas.microsoft.com/office/drawing/2010/main">
+              <a14:hiddenEffects xmlns:a14="http://schemas.microsoft.com/office/drawing/2010/main" xmlns="">
                 <a:effectLst>
                   <a:outerShdw dist="35921" dir="2700000" algn="ctr" rotWithShape="0">
                     <a:schemeClr val="bg2"/>
@@ -32599,7 +32599,7 @@
           <a:effectLst/>
           <a:extLst>
             <a:ext uri="{AF507438-7753-43e0-B8FC-AC1667EBCBE1}">
-              <a14:hiddenEffects xmlns="" xmlns:a14="http://schemas.microsoft.com/office/drawing/2010/main">
+              <a14:hiddenEffects xmlns:a14="http://schemas.microsoft.com/office/drawing/2010/main" xmlns="">
                 <a:effectLst>
                   <a:outerShdw dist="35921" dir="2700000" algn="ctr" rotWithShape="0">
                     <a:schemeClr val="bg2"/>
@@ -32681,7 +32681,7 @@
           <a:effectLst/>
           <a:extLst>
             <a:ext uri="{AF507438-7753-43e0-B8FC-AC1667EBCBE1}">
-              <a14:hiddenEffects xmlns="" xmlns:a14="http://schemas.microsoft.com/office/drawing/2010/main">
+              <a14:hiddenEffects xmlns:a14="http://schemas.microsoft.com/office/drawing/2010/main" xmlns="">
                 <a:effectLst>
                   <a:outerShdw dist="35921" dir="2700000" algn="ctr" rotWithShape="0">
                     <a:schemeClr val="bg2"/>
@@ -32763,7 +32763,7 @@
           <a:effectLst/>
           <a:extLst>
             <a:ext uri="{AF507438-7753-43e0-B8FC-AC1667EBCBE1}">
-              <a14:hiddenEffects xmlns="" xmlns:a14="http://schemas.microsoft.com/office/drawing/2010/main">
+              <a14:hiddenEffects xmlns:a14="http://schemas.microsoft.com/office/drawing/2010/main" xmlns="">
                 <a:effectLst>
                   <a:outerShdw dist="35921" dir="2700000" algn="ctr" rotWithShape="0">
                     <a:schemeClr val="bg2"/>
@@ -32845,7 +32845,7 @@
           <a:effectLst/>
           <a:extLst>
             <a:ext uri="{AF507438-7753-43e0-B8FC-AC1667EBCBE1}">
-              <a14:hiddenEffects xmlns="" xmlns:a14="http://schemas.microsoft.com/office/drawing/2010/main">
+              <a14:hiddenEffects xmlns:a14="http://schemas.microsoft.com/office/drawing/2010/main" xmlns="">
                 <a:effectLst>
                   <a:outerShdw dist="35921" dir="2700000" algn="ctr" rotWithShape="0">
                     <a:schemeClr val="bg2"/>
@@ -32927,7 +32927,7 @@
           <a:effectLst/>
           <a:extLst>
             <a:ext uri="{AF507438-7753-43e0-B8FC-AC1667EBCBE1}">
-              <a14:hiddenEffects xmlns="" xmlns:a14="http://schemas.microsoft.com/office/drawing/2010/main">
+              <a14:hiddenEffects xmlns:a14="http://schemas.microsoft.com/office/drawing/2010/main" xmlns="">
                 <a:effectLst>
                   <a:outerShdw dist="35921" dir="2700000" algn="ctr" rotWithShape="0">
                     <a:schemeClr val="bg2"/>
@@ -33009,7 +33009,7 @@
           <a:effectLst/>
           <a:extLst>
             <a:ext uri="{AF507438-7753-43e0-B8FC-AC1667EBCBE1}">
-              <a14:hiddenEffects xmlns="" xmlns:a14="http://schemas.microsoft.com/office/drawing/2010/main">
+              <a14:hiddenEffects xmlns:a14="http://schemas.microsoft.com/office/drawing/2010/main" xmlns="">
                 <a:effectLst>
                   <a:outerShdw dist="35921" dir="2700000" algn="ctr" rotWithShape="0">
                     <a:schemeClr val="bg2"/>
@@ -33086,7 +33086,7 @@
           </a:ln>
           <a:extLst>
             <a:ext uri="{AF507438-7753-43e0-B8FC-AC1667EBCBE1}">
-              <a14:hiddenEffects xmlns="" xmlns:a14="http://schemas.microsoft.com/office/drawing/2010/main">
+              <a14:hiddenEffects xmlns:a14="http://schemas.microsoft.com/office/drawing/2010/main" xmlns="">
                 <a:effectLst>
                   <a:outerShdw dist="35921" dir="2700000" algn="ctr" rotWithShape="0">
                     <a:schemeClr val="bg2"/>
@@ -33141,7 +33141,7 @@
           </a:ln>
           <a:extLst>
             <a:ext uri="{AF507438-7753-43e0-B8FC-AC1667EBCBE1}">
-              <a14:hiddenEffects xmlns="" xmlns:a14="http://schemas.microsoft.com/office/drawing/2010/main">
+              <a14:hiddenEffects xmlns:a14="http://schemas.microsoft.com/office/drawing/2010/main" xmlns="">
                 <a:effectLst>
                   <a:outerShdw dist="35921" dir="2700000" algn="ctr" rotWithShape="0">
                     <a:schemeClr val="bg2"/>
@@ -33196,7 +33196,7 @@
           </a:ln>
           <a:extLst>
             <a:ext uri="{AF507438-7753-43e0-B8FC-AC1667EBCBE1}">
-              <a14:hiddenEffects xmlns="" xmlns:a14="http://schemas.microsoft.com/office/drawing/2010/main">
+              <a14:hiddenEffects xmlns:a14="http://schemas.microsoft.com/office/drawing/2010/main" xmlns="">
                 <a:effectLst>
                   <a:outerShdw dist="35921" dir="2700000" algn="ctr" rotWithShape="0">
                     <a:schemeClr val="bg2"/>
@@ -33251,7 +33251,7 @@
           </a:ln>
           <a:extLst>
             <a:ext uri="{AF507438-7753-43e0-B8FC-AC1667EBCBE1}">
-              <a14:hiddenEffects xmlns="" xmlns:a14="http://schemas.microsoft.com/office/drawing/2010/main">
+              <a14:hiddenEffects xmlns:a14="http://schemas.microsoft.com/office/drawing/2010/main" xmlns="">
                 <a:effectLst>
                   <a:outerShdw dist="35921" dir="2700000" algn="ctr" rotWithShape="0">
                     <a:schemeClr val="bg2"/>
@@ -33306,7 +33306,7 @@
           </a:ln>
           <a:extLst>
             <a:ext uri="{AF507438-7753-43e0-B8FC-AC1667EBCBE1}">
-              <a14:hiddenEffects xmlns="" xmlns:a14="http://schemas.microsoft.com/office/drawing/2010/main">
+              <a14:hiddenEffects xmlns:a14="http://schemas.microsoft.com/office/drawing/2010/main" xmlns="">
                 <a:effectLst>
                   <a:outerShdw dist="35921" dir="2700000" algn="ctr" rotWithShape="0">
                     <a:schemeClr val="bg2"/>
@@ -33361,7 +33361,7 @@
           </a:ln>
           <a:extLst>
             <a:ext uri="{AF507438-7753-43e0-B8FC-AC1667EBCBE1}">
-              <a14:hiddenEffects xmlns="" xmlns:a14="http://schemas.microsoft.com/office/drawing/2010/main">
+              <a14:hiddenEffects xmlns:a14="http://schemas.microsoft.com/office/drawing/2010/main" xmlns="">
                 <a:effectLst>
                   <a:outerShdw dist="35921" dir="2700000" algn="ctr" rotWithShape="0">
                     <a:schemeClr val="bg2"/>
@@ -33421,7 +33421,7 @@
           <a:effectLst/>
           <a:extLst>
             <a:ext uri="{AF507438-7753-43e0-B8FC-AC1667EBCBE1}">
-              <a14:hiddenEffects xmlns="" xmlns:a14="http://schemas.microsoft.com/office/drawing/2010/main">
+              <a14:hiddenEffects xmlns:a14="http://schemas.microsoft.com/office/drawing/2010/main" xmlns="">
                 <a:effectLst>
                   <a:outerShdw dist="35921" dir="2700000" algn="ctr" rotWithShape="0">
                     <a:schemeClr val="bg2"/>
@@ -33503,7 +33503,7 @@
           <a:effectLst/>
           <a:extLst>
             <a:ext uri="{AF507438-7753-43e0-B8FC-AC1667EBCBE1}">
-              <a14:hiddenEffects xmlns="" xmlns:a14="http://schemas.microsoft.com/office/drawing/2010/main">
+              <a14:hiddenEffects xmlns:a14="http://schemas.microsoft.com/office/drawing/2010/main" xmlns="">
                 <a:effectLst>
                   <a:outerShdw dist="35921" dir="2700000" algn="ctr" rotWithShape="0">
                     <a:schemeClr val="bg2"/>
@@ -33585,7 +33585,7 @@
           <a:effectLst/>
           <a:extLst>
             <a:ext uri="{AF507438-7753-43e0-B8FC-AC1667EBCBE1}">
-              <a14:hiddenEffects xmlns="" xmlns:a14="http://schemas.microsoft.com/office/drawing/2010/main">
+              <a14:hiddenEffects xmlns:a14="http://schemas.microsoft.com/office/drawing/2010/main" xmlns="">
                 <a:effectLst>
                   <a:outerShdw dist="35921" dir="2700000" algn="ctr" rotWithShape="0">
                     <a:schemeClr val="bg2"/>
@@ -33667,7 +33667,7 @@
           <a:effectLst/>
           <a:extLst>
             <a:ext uri="{AF507438-7753-43e0-B8FC-AC1667EBCBE1}">
-              <a14:hiddenEffects xmlns="" xmlns:a14="http://schemas.microsoft.com/office/drawing/2010/main">
+              <a14:hiddenEffects xmlns:a14="http://schemas.microsoft.com/office/drawing/2010/main" xmlns="">
                 <a:effectLst>
                   <a:outerShdw dist="35921" dir="2700000" algn="ctr" rotWithShape="0">
                     <a:schemeClr val="bg2"/>
@@ -33749,7 +33749,7 @@
           <a:effectLst/>
           <a:extLst>
             <a:ext uri="{AF507438-7753-43e0-B8FC-AC1667EBCBE1}">
-              <a14:hiddenEffects xmlns="" xmlns:a14="http://schemas.microsoft.com/office/drawing/2010/main">
+              <a14:hiddenEffects xmlns:a14="http://schemas.microsoft.com/office/drawing/2010/main" xmlns="">
                 <a:effectLst>
                   <a:outerShdw dist="35921" dir="2700000" algn="ctr" rotWithShape="0">
                     <a:schemeClr val="bg2"/>
@@ -33831,7 +33831,7 @@
           <a:effectLst/>
           <a:extLst>
             <a:ext uri="{AF507438-7753-43e0-B8FC-AC1667EBCBE1}">
-              <a14:hiddenEffects xmlns="" xmlns:a14="http://schemas.microsoft.com/office/drawing/2010/main">
+              <a14:hiddenEffects xmlns:a14="http://schemas.microsoft.com/office/drawing/2010/main" xmlns="">
                 <a:effectLst>
                   <a:outerShdw dist="35921" dir="2700000" algn="ctr" rotWithShape="0">
                     <a:schemeClr val="bg2"/>
@@ -33908,7 +33908,7 @@
           </a:ln>
           <a:extLst>
             <a:ext uri="{AF507438-7753-43e0-B8FC-AC1667EBCBE1}">
-              <a14:hiddenEffects xmlns="" xmlns:a14="http://schemas.microsoft.com/office/drawing/2010/main">
+              <a14:hiddenEffects xmlns:a14="http://schemas.microsoft.com/office/drawing/2010/main" xmlns="">
                 <a:effectLst>
                   <a:outerShdw dist="35921" dir="2700000" algn="ctr" rotWithShape="0">
                     <a:schemeClr val="bg2"/>
@@ -33963,7 +33963,7 @@
           </a:ln>
           <a:extLst>
             <a:ext uri="{AF507438-7753-43e0-B8FC-AC1667EBCBE1}">
-              <a14:hiddenEffects xmlns="" xmlns:a14="http://schemas.microsoft.com/office/drawing/2010/main">
+              <a14:hiddenEffects xmlns:a14="http://schemas.microsoft.com/office/drawing/2010/main" xmlns="">
                 <a:effectLst>
                   <a:outerShdw dist="35921" dir="2700000" algn="ctr" rotWithShape="0">
                     <a:schemeClr val="bg2"/>
@@ -34017,7 +34017,7 @@
           </a:ln>
           <a:extLst>
             <a:ext uri="{AF507438-7753-43e0-B8FC-AC1667EBCBE1}">
-              <a14:hiddenEffects xmlns="" xmlns:a14="http://schemas.microsoft.com/office/drawing/2010/main">
+              <a14:hiddenEffects xmlns:a14="http://schemas.microsoft.com/office/drawing/2010/main" xmlns="">
                 <a:effectLst>
                   <a:outerShdw dist="35921" dir="2700000" algn="ctr" rotWithShape="0">
                     <a:schemeClr val="bg2"/>
@@ -34072,7 +34072,7 @@
           </a:ln>
           <a:extLst>
             <a:ext uri="{AF507438-7753-43e0-B8FC-AC1667EBCBE1}">
-              <a14:hiddenEffects xmlns="" xmlns:a14="http://schemas.microsoft.com/office/drawing/2010/main">
+              <a14:hiddenEffects xmlns:a14="http://schemas.microsoft.com/office/drawing/2010/main" xmlns="">
                 <a:effectLst>
                   <a:outerShdw dist="35921" dir="2700000" algn="ctr" rotWithShape="0">
                     <a:schemeClr val="bg2"/>
@@ -34127,7 +34127,7 @@
           </a:ln>
           <a:extLst>
             <a:ext uri="{AF507438-7753-43e0-B8FC-AC1667EBCBE1}">
-              <a14:hiddenEffects xmlns="" xmlns:a14="http://schemas.microsoft.com/office/drawing/2010/main">
+              <a14:hiddenEffects xmlns:a14="http://schemas.microsoft.com/office/drawing/2010/main" xmlns="">
                 <a:effectLst>
                   <a:outerShdw dist="35921" dir="2700000" algn="ctr" rotWithShape="0">
                     <a:schemeClr val="bg2"/>
@@ -34182,7 +34182,7 @@
           </a:ln>
           <a:extLst>
             <a:ext uri="{AF507438-7753-43e0-B8FC-AC1667EBCBE1}">
-              <a14:hiddenEffects xmlns="" xmlns:a14="http://schemas.microsoft.com/office/drawing/2010/main">
+              <a14:hiddenEffects xmlns:a14="http://schemas.microsoft.com/office/drawing/2010/main" xmlns="">
                 <a:effectLst>
                   <a:outerShdw dist="35921" dir="2700000" algn="ctr" rotWithShape="0">
                     <a:schemeClr val="bg2"/>
@@ -34233,7 +34233,7 @@
           </a:ln>
           <a:extLst>
             <a:ext uri="{AF507438-7753-43e0-B8FC-AC1667EBCBE1}">
-              <a14:hiddenEffects xmlns="" xmlns:a14="http://schemas.microsoft.com/office/drawing/2010/main">
+              <a14:hiddenEffects xmlns:a14="http://schemas.microsoft.com/office/drawing/2010/main" xmlns="">
                 <a:effectLst>
                   <a:outerShdw dist="35921" dir="2700000" algn="ctr" rotWithShape="0">
                     <a:schemeClr val="bg2"/>
@@ -34293,7 +34293,7 @@
           <a:effectLst/>
           <a:extLst>
             <a:ext uri="{AF507438-7753-43e0-B8FC-AC1667EBCBE1}">
-              <a14:hiddenEffects xmlns="" xmlns:a14="http://schemas.microsoft.com/office/drawing/2010/main">
+              <a14:hiddenEffects xmlns:a14="http://schemas.microsoft.com/office/drawing/2010/main" xmlns="">
                 <a:effectLst>
                   <a:outerShdw dist="35921" dir="2700000" algn="ctr" rotWithShape="0">
                     <a:schemeClr val="bg2"/>
@@ -34375,7 +34375,7 @@
           <a:effectLst/>
           <a:extLst>
             <a:ext uri="{AF507438-7753-43e0-B8FC-AC1667EBCBE1}">
-              <a14:hiddenEffects xmlns="" xmlns:a14="http://schemas.microsoft.com/office/drawing/2010/main">
+              <a14:hiddenEffects xmlns:a14="http://schemas.microsoft.com/office/drawing/2010/main" xmlns="">
                 <a:effectLst>
                   <a:outerShdw dist="35921" dir="2700000" algn="ctr" rotWithShape="0">
                     <a:schemeClr val="bg2"/>
@@ -34457,7 +34457,7 @@
           <a:effectLst/>
           <a:extLst>
             <a:ext uri="{AF507438-7753-43e0-B8FC-AC1667EBCBE1}">
-              <a14:hiddenEffects xmlns="" xmlns:a14="http://schemas.microsoft.com/office/drawing/2010/main">
+              <a14:hiddenEffects xmlns:a14="http://schemas.microsoft.com/office/drawing/2010/main" xmlns="">
                 <a:effectLst>
                   <a:outerShdw dist="35921" dir="2700000" algn="ctr" rotWithShape="0">
                     <a:schemeClr val="bg2"/>
@@ -34539,7 +34539,7 @@
           <a:effectLst/>
           <a:extLst>
             <a:ext uri="{AF507438-7753-43e0-B8FC-AC1667EBCBE1}">
-              <a14:hiddenEffects xmlns="" xmlns:a14="http://schemas.microsoft.com/office/drawing/2010/main">
+              <a14:hiddenEffects xmlns:a14="http://schemas.microsoft.com/office/drawing/2010/main" xmlns="">
                 <a:effectLst>
                   <a:outerShdw dist="35921" dir="2700000" algn="ctr" rotWithShape="0">
                     <a:schemeClr val="bg2"/>
@@ -34621,7 +34621,7 @@
           <a:effectLst/>
           <a:extLst>
             <a:ext uri="{AF507438-7753-43e0-B8FC-AC1667EBCBE1}">
-              <a14:hiddenEffects xmlns="" xmlns:a14="http://schemas.microsoft.com/office/drawing/2010/main">
+              <a14:hiddenEffects xmlns:a14="http://schemas.microsoft.com/office/drawing/2010/main" xmlns="">
                 <a:effectLst>
                   <a:outerShdw dist="35921" dir="2700000" algn="ctr" rotWithShape="0">
                     <a:schemeClr val="bg2"/>
@@ -34703,7 +34703,7 @@
           <a:effectLst/>
           <a:extLst>
             <a:ext uri="{AF507438-7753-43e0-B8FC-AC1667EBCBE1}">
-              <a14:hiddenEffects xmlns="" xmlns:a14="http://schemas.microsoft.com/office/drawing/2010/main">
+              <a14:hiddenEffects xmlns:a14="http://schemas.microsoft.com/office/drawing/2010/main" xmlns="">
                 <a:effectLst>
                   <a:outerShdw dist="35921" dir="2700000" algn="ctr" rotWithShape="0">
                     <a:schemeClr val="bg2"/>
@@ -34780,7 +34780,7 @@
           </a:ln>
           <a:extLst>
             <a:ext uri="{AF507438-7753-43e0-B8FC-AC1667EBCBE1}">
-              <a14:hiddenEffects xmlns="" xmlns:a14="http://schemas.microsoft.com/office/drawing/2010/main">
+              <a14:hiddenEffects xmlns:a14="http://schemas.microsoft.com/office/drawing/2010/main" xmlns="">
                 <a:effectLst>
                   <a:outerShdw dist="35921" dir="2700000" algn="ctr" rotWithShape="0">
                     <a:schemeClr val="bg2"/>
@@ -34835,7 +34835,7 @@
           </a:ln>
           <a:extLst>
             <a:ext uri="{AF507438-7753-43e0-B8FC-AC1667EBCBE1}">
-              <a14:hiddenEffects xmlns="" xmlns:a14="http://schemas.microsoft.com/office/drawing/2010/main">
+              <a14:hiddenEffects xmlns:a14="http://schemas.microsoft.com/office/drawing/2010/main" xmlns="">
                 <a:effectLst>
                   <a:outerShdw dist="35921" dir="2700000" algn="ctr" rotWithShape="0">
                     <a:schemeClr val="bg2"/>
@@ -34893,7 +34893,7 @@
           </a:ln>
           <a:extLst>
             <a:ext uri="{AF507438-7753-43e0-B8FC-AC1667EBCBE1}">
-              <a14:hiddenEffects xmlns="" xmlns:a14="http://schemas.microsoft.com/office/drawing/2010/main">
+              <a14:hiddenEffects xmlns:a14="http://schemas.microsoft.com/office/drawing/2010/main" xmlns="">
                 <a:effectLst>
                   <a:outerShdw dist="35921" dir="2700000" algn="ctr" rotWithShape="0">
                     <a:schemeClr val="bg2"/>
@@ -34948,7 +34948,7 @@
           </a:ln>
           <a:extLst>
             <a:ext uri="{AF507438-7753-43e0-B8FC-AC1667EBCBE1}">
-              <a14:hiddenEffects xmlns="" xmlns:a14="http://schemas.microsoft.com/office/drawing/2010/main">
+              <a14:hiddenEffects xmlns:a14="http://schemas.microsoft.com/office/drawing/2010/main" xmlns="">
                 <a:effectLst>
                   <a:outerShdw dist="35921" dir="2700000" algn="ctr" rotWithShape="0">
                     <a:schemeClr val="bg2"/>
@@ -35003,7 +35003,7 @@
           </a:ln>
           <a:extLst>
             <a:ext uri="{AF507438-7753-43e0-B8FC-AC1667EBCBE1}">
-              <a14:hiddenEffects xmlns="" xmlns:a14="http://schemas.microsoft.com/office/drawing/2010/main">
+              <a14:hiddenEffects xmlns:a14="http://schemas.microsoft.com/office/drawing/2010/main" xmlns="">
                 <a:effectLst>
                   <a:outerShdw dist="35921" dir="2700000" algn="ctr" rotWithShape="0">
                     <a:schemeClr val="bg2"/>
@@ -35061,7 +35061,7 @@
           </a:ln>
           <a:extLst>
             <a:ext uri="{AF507438-7753-43e0-B8FC-AC1667EBCBE1}">
-              <a14:hiddenEffects xmlns="" xmlns:a14="http://schemas.microsoft.com/office/drawing/2010/main">
+              <a14:hiddenEffects xmlns:a14="http://schemas.microsoft.com/office/drawing/2010/main" xmlns="">
                 <a:effectLst>
                   <a:outerShdw dist="35921" dir="2700000" algn="ctr" rotWithShape="0">
                     <a:schemeClr val="bg2"/>
@@ -35271,14 +35271,14 @@
           <a:effectLst/>
           <a:extLst>
             <a:ext uri="{909E8E84-426E-40dd-AFC4-6F175D3DCCD1}">
-              <a14:hiddenFill xmlns:a14="http://schemas.microsoft.com/office/drawing/2010/main" xmlns="">
+              <a14:hiddenFill xmlns="" xmlns:a14="http://schemas.microsoft.com/office/drawing/2010/main">
                 <a:solidFill>
                   <a:schemeClr val="accent1"/>
                 </a:solidFill>
               </a14:hiddenFill>
             </a:ext>
             <a:ext uri="{91240B29-F687-4f45-9708-019B960494DF}">
-              <a14:hiddenLine xmlns:a14="http://schemas.microsoft.com/office/drawing/2010/main" xmlns="" w="9525">
+              <a14:hiddenLine xmlns="" xmlns:a14="http://schemas.microsoft.com/office/drawing/2010/main" w="9525">
                 <a:solidFill>
                   <a:schemeClr val="tx1"/>
                 </a:solidFill>
@@ -35288,7 +35288,7 @@
               </a14:hiddenLine>
             </a:ext>
             <a:ext uri="{AF507438-7753-43e0-B8FC-AC1667EBCBE1}">
-              <a14:hiddenEffects xmlns:a14="http://schemas.microsoft.com/office/drawing/2010/main" xmlns="">
+              <a14:hiddenEffects xmlns="" xmlns:a14="http://schemas.microsoft.com/office/drawing/2010/main">
                 <a:effectLst>
                   <a:outerShdw dist="35921" dir="2700000" algn="ctr" rotWithShape="0">
                     <a:schemeClr val="bg2"/>
@@ -35629,7 +35629,7 @@
           </a:ln>
           <a:extLst>
             <a:ext uri="{AF507438-7753-43e0-B8FC-AC1667EBCBE1}">
-              <a14:hiddenEffects xmlns:a14="http://schemas.microsoft.com/office/drawing/2010/main" xmlns="">
+              <a14:hiddenEffects xmlns="" xmlns:a14="http://schemas.microsoft.com/office/drawing/2010/main">
                 <a:effectLst>
                   <a:outerShdw dist="35921" dir="2700000" algn="ctr" rotWithShape="0">
                     <a:schemeClr val="bg2"/>
@@ -35725,7 +35725,7 @@
           <a:effectLst/>
           <a:extLst>
             <a:ext uri="{AF507438-7753-43e0-B8FC-AC1667EBCBE1}">
-              <a14:hiddenEffects xmlns:a14="http://schemas.microsoft.com/office/drawing/2010/main" xmlns="">
+              <a14:hiddenEffects xmlns="" xmlns:a14="http://schemas.microsoft.com/office/drawing/2010/main">
                 <a:effectLst>
                   <a:outerShdw dist="35921" dir="2700000" algn="ctr" rotWithShape="0">
                     <a:schemeClr val="bg2"/>
@@ -35807,7 +35807,7 @@
           <a:effectLst/>
           <a:extLst>
             <a:ext uri="{AF507438-7753-43e0-B8FC-AC1667EBCBE1}">
-              <a14:hiddenEffects xmlns:a14="http://schemas.microsoft.com/office/drawing/2010/main" xmlns="">
+              <a14:hiddenEffects xmlns="" xmlns:a14="http://schemas.microsoft.com/office/drawing/2010/main">
                 <a:effectLst>
                   <a:outerShdw dist="35921" dir="2700000" algn="ctr" rotWithShape="0">
                     <a:schemeClr val="bg2"/>
@@ -35889,7 +35889,7 @@
           <a:effectLst/>
           <a:extLst>
             <a:ext uri="{AF507438-7753-43e0-B8FC-AC1667EBCBE1}">
-              <a14:hiddenEffects xmlns:a14="http://schemas.microsoft.com/office/drawing/2010/main" xmlns="">
+              <a14:hiddenEffects xmlns="" xmlns:a14="http://schemas.microsoft.com/office/drawing/2010/main">
                 <a:effectLst>
                   <a:outerShdw dist="35921" dir="2700000" algn="ctr" rotWithShape="0">
                     <a:schemeClr val="bg2"/>
@@ -35971,7 +35971,7 @@
           <a:effectLst/>
           <a:extLst>
             <a:ext uri="{AF507438-7753-43e0-B8FC-AC1667EBCBE1}">
-              <a14:hiddenEffects xmlns:a14="http://schemas.microsoft.com/office/drawing/2010/main" xmlns="">
+              <a14:hiddenEffects xmlns="" xmlns:a14="http://schemas.microsoft.com/office/drawing/2010/main">
                 <a:effectLst>
                   <a:outerShdw dist="35921" dir="2700000" algn="ctr" rotWithShape="0">
                     <a:schemeClr val="bg2"/>
@@ -36053,7 +36053,7 @@
           <a:effectLst/>
           <a:extLst>
             <a:ext uri="{AF507438-7753-43e0-B8FC-AC1667EBCBE1}">
-              <a14:hiddenEffects xmlns:a14="http://schemas.microsoft.com/office/drawing/2010/main" xmlns="">
+              <a14:hiddenEffects xmlns="" xmlns:a14="http://schemas.microsoft.com/office/drawing/2010/main">
                 <a:effectLst>
                   <a:outerShdw dist="35921" dir="2700000" algn="ctr" rotWithShape="0">
                     <a:schemeClr val="bg2"/>
@@ -36135,7 +36135,7 @@
           <a:effectLst/>
           <a:extLst>
             <a:ext uri="{AF507438-7753-43e0-B8FC-AC1667EBCBE1}">
-              <a14:hiddenEffects xmlns:a14="http://schemas.microsoft.com/office/drawing/2010/main" xmlns="">
+              <a14:hiddenEffects xmlns="" xmlns:a14="http://schemas.microsoft.com/office/drawing/2010/main">
                 <a:effectLst>
                   <a:outerShdw dist="35921" dir="2700000" algn="ctr" rotWithShape="0">
                     <a:schemeClr val="bg2"/>
@@ -36212,7 +36212,7 @@
           </a:ln>
           <a:extLst>
             <a:ext uri="{AF507438-7753-43e0-B8FC-AC1667EBCBE1}">
-              <a14:hiddenEffects xmlns:a14="http://schemas.microsoft.com/office/drawing/2010/main" xmlns="">
+              <a14:hiddenEffects xmlns="" xmlns:a14="http://schemas.microsoft.com/office/drawing/2010/main">
                 <a:effectLst>
                   <a:outerShdw dist="35921" dir="2700000" algn="ctr" rotWithShape="0">
                     <a:schemeClr val="bg2"/>
@@ -36267,7 +36267,7 @@
           </a:ln>
           <a:extLst>
             <a:ext uri="{AF507438-7753-43e0-B8FC-AC1667EBCBE1}">
-              <a14:hiddenEffects xmlns:a14="http://schemas.microsoft.com/office/drawing/2010/main" xmlns="">
+              <a14:hiddenEffects xmlns="" xmlns:a14="http://schemas.microsoft.com/office/drawing/2010/main">
                 <a:effectLst>
                   <a:outerShdw dist="35921" dir="2700000" algn="ctr" rotWithShape="0">
                     <a:schemeClr val="bg2"/>
@@ -36322,7 +36322,7 @@
           </a:ln>
           <a:extLst>
             <a:ext uri="{AF507438-7753-43e0-B8FC-AC1667EBCBE1}">
-              <a14:hiddenEffects xmlns:a14="http://schemas.microsoft.com/office/drawing/2010/main" xmlns="">
+              <a14:hiddenEffects xmlns="" xmlns:a14="http://schemas.microsoft.com/office/drawing/2010/main">
                 <a:effectLst>
                   <a:outerShdw dist="35921" dir="2700000" algn="ctr" rotWithShape="0">
                     <a:schemeClr val="bg2"/>
@@ -36377,7 +36377,7 @@
           </a:ln>
           <a:extLst>
             <a:ext uri="{AF507438-7753-43e0-B8FC-AC1667EBCBE1}">
-              <a14:hiddenEffects xmlns:a14="http://schemas.microsoft.com/office/drawing/2010/main" xmlns="">
+              <a14:hiddenEffects xmlns="" xmlns:a14="http://schemas.microsoft.com/office/drawing/2010/main">
                 <a:effectLst>
                   <a:outerShdw dist="35921" dir="2700000" algn="ctr" rotWithShape="0">
                     <a:schemeClr val="bg2"/>
@@ -36432,7 +36432,7 @@
           </a:ln>
           <a:extLst>
             <a:ext uri="{AF507438-7753-43e0-B8FC-AC1667EBCBE1}">
-              <a14:hiddenEffects xmlns:a14="http://schemas.microsoft.com/office/drawing/2010/main" xmlns="">
+              <a14:hiddenEffects xmlns="" xmlns:a14="http://schemas.microsoft.com/office/drawing/2010/main">
                 <a:effectLst>
                   <a:outerShdw dist="35921" dir="2700000" algn="ctr" rotWithShape="0">
                     <a:schemeClr val="bg2"/>
@@ -36487,7 +36487,7 @@
           </a:ln>
           <a:extLst>
             <a:ext uri="{AF507438-7753-43e0-B8FC-AC1667EBCBE1}">
-              <a14:hiddenEffects xmlns:a14="http://schemas.microsoft.com/office/drawing/2010/main" xmlns="">
+              <a14:hiddenEffects xmlns="" xmlns:a14="http://schemas.microsoft.com/office/drawing/2010/main">
                 <a:effectLst>
                   <a:outerShdw dist="35921" dir="2700000" algn="ctr" rotWithShape="0">
                     <a:schemeClr val="bg2"/>
@@ -36547,7 +36547,7 @@
           <a:effectLst/>
           <a:extLst>
             <a:ext uri="{AF507438-7753-43e0-B8FC-AC1667EBCBE1}">
-              <a14:hiddenEffects xmlns:a14="http://schemas.microsoft.com/office/drawing/2010/main" xmlns="">
+              <a14:hiddenEffects xmlns="" xmlns:a14="http://schemas.microsoft.com/office/drawing/2010/main">
                 <a:effectLst>
                   <a:outerShdw dist="35921" dir="2700000" algn="ctr" rotWithShape="0">
                     <a:schemeClr val="bg2"/>
@@ -36629,7 +36629,7 @@
           <a:effectLst/>
           <a:extLst>
             <a:ext uri="{AF507438-7753-43e0-B8FC-AC1667EBCBE1}">
-              <a14:hiddenEffects xmlns:a14="http://schemas.microsoft.com/office/drawing/2010/main" xmlns="">
+              <a14:hiddenEffects xmlns="" xmlns:a14="http://schemas.microsoft.com/office/drawing/2010/main">
                 <a:effectLst>
                   <a:outerShdw dist="35921" dir="2700000" algn="ctr" rotWithShape="0">
                     <a:schemeClr val="bg2"/>
@@ -36711,7 +36711,7 @@
           <a:effectLst/>
           <a:extLst>
             <a:ext uri="{AF507438-7753-43e0-B8FC-AC1667EBCBE1}">
-              <a14:hiddenEffects xmlns:a14="http://schemas.microsoft.com/office/drawing/2010/main" xmlns="">
+              <a14:hiddenEffects xmlns="" xmlns:a14="http://schemas.microsoft.com/office/drawing/2010/main">
                 <a:effectLst>
                   <a:outerShdw dist="35921" dir="2700000" algn="ctr" rotWithShape="0">
                     <a:schemeClr val="bg2"/>
@@ -36793,7 +36793,7 @@
           <a:effectLst/>
           <a:extLst>
             <a:ext uri="{AF507438-7753-43e0-B8FC-AC1667EBCBE1}">
-              <a14:hiddenEffects xmlns:a14="http://schemas.microsoft.com/office/drawing/2010/main" xmlns="">
+              <a14:hiddenEffects xmlns="" xmlns:a14="http://schemas.microsoft.com/office/drawing/2010/main">
                 <a:effectLst>
                   <a:outerShdw dist="35921" dir="2700000" algn="ctr" rotWithShape="0">
                     <a:schemeClr val="bg2"/>
@@ -36875,7 +36875,7 @@
           <a:effectLst/>
           <a:extLst>
             <a:ext uri="{AF507438-7753-43e0-B8FC-AC1667EBCBE1}">
-              <a14:hiddenEffects xmlns:a14="http://schemas.microsoft.com/office/drawing/2010/main" xmlns="">
+              <a14:hiddenEffects xmlns="" xmlns:a14="http://schemas.microsoft.com/office/drawing/2010/main">
                 <a:effectLst>
                   <a:outerShdw dist="35921" dir="2700000" algn="ctr" rotWithShape="0">
                     <a:schemeClr val="bg2"/>
@@ -36957,7 +36957,7 @@
           <a:effectLst/>
           <a:extLst>
             <a:ext uri="{AF507438-7753-43e0-B8FC-AC1667EBCBE1}">
-              <a14:hiddenEffects xmlns:a14="http://schemas.microsoft.com/office/drawing/2010/main" xmlns="">
+              <a14:hiddenEffects xmlns="" xmlns:a14="http://schemas.microsoft.com/office/drawing/2010/main">
                 <a:effectLst>
                   <a:outerShdw dist="35921" dir="2700000" algn="ctr" rotWithShape="0">
                     <a:schemeClr val="bg2"/>
@@ -37034,7 +37034,7 @@
           </a:ln>
           <a:extLst>
             <a:ext uri="{AF507438-7753-43e0-B8FC-AC1667EBCBE1}">
-              <a14:hiddenEffects xmlns:a14="http://schemas.microsoft.com/office/drawing/2010/main" xmlns="">
+              <a14:hiddenEffects xmlns="" xmlns:a14="http://schemas.microsoft.com/office/drawing/2010/main">
                 <a:effectLst>
                   <a:outerShdw dist="35921" dir="2700000" algn="ctr" rotWithShape="0">
                     <a:schemeClr val="bg2"/>
@@ -37089,7 +37089,7 @@
           </a:ln>
           <a:extLst>
             <a:ext uri="{AF507438-7753-43e0-B8FC-AC1667EBCBE1}">
-              <a14:hiddenEffects xmlns:a14="http://schemas.microsoft.com/office/drawing/2010/main" xmlns="">
+              <a14:hiddenEffects xmlns="" xmlns:a14="http://schemas.microsoft.com/office/drawing/2010/main">
                 <a:effectLst>
                   <a:outerShdw dist="35921" dir="2700000" algn="ctr" rotWithShape="0">
                     <a:schemeClr val="bg2"/>
@@ -37143,7 +37143,7 @@
           </a:ln>
           <a:extLst>
             <a:ext uri="{AF507438-7753-43e0-B8FC-AC1667EBCBE1}">
-              <a14:hiddenEffects xmlns:a14="http://schemas.microsoft.com/office/drawing/2010/main" xmlns="">
+              <a14:hiddenEffects xmlns="" xmlns:a14="http://schemas.microsoft.com/office/drawing/2010/main">
                 <a:effectLst>
                   <a:outerShdw dist="35921" dir="2700000" algn="ctr" rotWithShape="0">
                     <a:schemeClr val="bg2"/>
@@ -37198,7 +37198,7 @@
           </a:ln>
           <a:extLst>
             <a:ext uri="{AF507438-7753-43e0-B8FC-AC1667EBCBE1}">
-              <a14:hiddenEffects xmlns:a14="http://schemas.microsoft.com/office/drawing/2010/main" xmlns="">
+              <a14:hiddenEffects xmlns="" xmlns:a14="http://schemas.microsoft.com/office/drawing/2010/main">
                 <a:effectLst>
                   <a:outerShdw dist="35921" dir="2700000" algn="ctr" rotWithShape="0">
                     <a:schemeClr val="bg2"/>
@@ -37253,7 +37253,7 @@
           </a:ln>
           <a:extLst>
             <a:ext uri="{AF507438-7753-43e0-B8FC-AC1667EBCBE1}">
-              <a14:hiddenEffects xmlns:a14="http://schemas.microsoft.com/office/drawing/2010/main" xmlns="">
+              <a14:hiddenEffects xmlns="" xmlns:a14="http://schemas.microsoft.com/office/drawing/2010/main">
                 <a:effectLst>
                   <a:outerShdw dist="35921" dir="2700000" algn="ctr" rotWithShape="0">
                     <a:schemeClr val="bg2"/>
@@ -37308,7 +37308,7 @@
           </a:ln>
           <a:extLst>
             <a:ext uri="{AF507438-7753-43e0-B8FC-AC1667EBCBE1}">
-              <a14:hiddenEffects xmlns:a14="http://schemas.microsoft.com/office/drawing/2010/main" xmlns="">
+              <a14:hiddenEffects xmlns="" xmlns:a14="http://schemas.microsoft.com/office/drawing/2010/main">
                 <a:effectLst>
                   <a:outerShdw dist="35921" dir="2700000" algn="ctr" rotWithShape="0">
                     <a:schemeClr val="bg2"/>
@@ -37359,7 +37359,7 @@
           </a:ln>
           <a:extLst>
             <a:ext uri="{AF507438-7753-43e0-B8FC-AC1667EBCBE1}">
-              <a14:hiddenEffects xmlns:a14="http://schemas.microsoft.com/office/drawing/2010/main" xmlns="">
+              <a14:hiddenEffects xmlns="" xmlns:a14="http://schemas.microsoft.com/office/drawing/2010/main">
                 <a:effectLst>
                   <a:outerShdw dist="35921" dir="2700000" algn="ctr" rotWithShape="0">
                     <a:schemeClr val="bg2"/>
@@ -37419,7 +37419,7 @@
           <a:effectLst/>
           <a:extLst>
             <a:ext uri="{AF507438-7753-43e0-B8FC-AC1667EBCBE1}">
-              <a14:hiddenEffects xmlns:a14="http://schemas.microsoft.com/office/drawing/2010/main" xmlns="">
+              <a14:hiddenEffects xmlns="" xmlns:a14="http://schemas.microsoft.com/office/drawing/2010/main">
                 <a:effectLst>
                   <a:outerShdw dist="35921" dir="2700000" algn="ctr" rotWithShape="0">
                     <a:schemeClr val="bg2"/>
@@ -37501,7 +37501,7 @@
           <a:effectLst/>
           <a:extLst>
             <a:ext uri="{AF507438-7753-43e0-B8FC-AC1667EBCBE1}">
-              <a14:hiddenEffects xmlns:a14="http://schemas.microsoft.com/office/drawing/2010/main" xmlns="">
+              <a14:hiddenEffects xmlns="" xmlns:a14="http://schemas.microsoft.com/office/drawing/2010/main">
                 <a:effectLst>
                   <a:outerShdw dist="35921" dir="2700000" algn="ctr" rotWithShape="0">
                     <a:schemeClr val="bg2"/>
@@ -37583,7 +37583,7 @@
           <a:effectLst/>
           <a:extLst>
             <a:ext uri="{AF507438-7753-43e0-B8FC-AC1667EBCBE1}">
-              <a14:hiddenEffects xmlns:a14="http://schemas.microsoft.com/office/drawing/2010/main" xmlns="">
+              <a14:hiddenEffects xmlns="" xmlns:a14="http://schemas.microsoft.com/office/drawing/2010/main">
                 <a:effectLst>
                   <a:outerShdw dist="35921" dir="2700000" algn="ctr" rotWithShape="0">
                     <a:schemeClr val="bg2"/>
@@ -37665,7 +37665,7 @@
           <a:effectLst/>
           <a:extLst>
             <a:ext uri="{AF507438-7753-43e0-B8FC-AC1667EBCBE1}">
-              <a14:hiddenEffects xmlns:a14="http://schemas.microsoft.com/office/drawing/2010/main" xmlns="">
+              <a14:hiddenEffects xmlns="" xmlns:a14="http://schemas.microsoft.com/office/drawing/2010/main">
                 <a:effectLst>
                   <a:outerShdw dist="35921" dir="2700000" algn="ctr" rotWithShape="0">
                     <a:schemeClr val="bg2"/>
@@ -37747,7 +37747,7 @@
           <a:effectLst/>
           <a:extLst>
             <a:ext uri="{AF507438-7753-43e0-B8FC-AC1667EBCBE1}">
-              <a14:hiddenEffects xmlns:a14="http://schemas.microsoft.com/office/drawing/2010/main" xmlns="">
+              <a14:hiddenEffects xmlns="" xmlns:a14="http://schemas.microsoft.com/office/drawing/2010/main">
                 <a:effectLst>
                   <a:outerShdw dist="35921" dir="2700000" algn="ctr" rotWithShape="0">
                     <a:schemeClr val="bg2"/>
@@ -37829,7 +37829,7 @@
           <a:effectLst/>
           <a:extLst>
             <a:ext uri="{AF507438-7753-43e0-B8FC-AC1667EBCBE1}">
-              <a14:hiddenEffects xmlns:a14="http://schemas.microsoft.com/office/drawing/2010/main" xmlns="">
+              <a14:hiddenEffects xmlns="" xmlns:a14="http://schemas.microsoft.com/office/drawing/2010/main">
                 <a:effectLst>
                   <a:outerShdw dist="35921" dir="2700000" algn="ctr" rotWithShape="0">
                     <a:schemeClr val="bg2"/>
@@ -37906,7 +37906,7 @@
           </a:ln>
           <a:extLst>
             <a:ext uri="{AF507438-7753-43e0-B8FC-AC1667EBCBE1}">
-              <a14:hiddenEffects xmlns:a14="http://schemas.microsoft.com/office/drawing/2010/main" xmlns="">
+              <a14:hiddenEffects xmlns="" xmlns:a14="http://schemas.microsoft.com/office/drawing/2010/main">
                 <a:effectLst>
                   <a:outerShdw dist="35921" dir="2700000" algn="ctr" rotWithShape="0">
                     <a:schemeClr val="bg2"/>
@@ -37961,7 +37961,7 @@
           </a:ln>
           <a:extLst>
             <a:ext uri="{AF507438-7753-43e0-B8FC-AC1667EBCBE1}">
-              <a14:hiddenEffects xmlns:a14="http://schemas.microsoft.com/office/drawing/2010/main" xmlns="">
+              <a14:hiddenEffects xmlns="" xmlns:a14="http://schemas.microsoft.com/office/drawing/2010/main">
                 <a:effectLst>
                   <a:outerShdw dist="35921" dir="2700000" algn="ctr" rotWithShape="0">
                     <a:schemeClr val="bg2"/>
@@ -38016,7 +38016,7 @@
           </a:ln>
           <a:extLst>
             <a:ext uri="{AF507438-7753-43e0-B8FC-AC1667EBCBE1}">
-              <a14:hiddenEffects xmlns:a14="http://schemas.microsoft.com/office/drawing/2010/main" xmlns="">
+              <a14:hiddenEffects xmlns="" xmlns:a14="http://schemas.microsoft.com/office/drawing/2010/main">
                 <a:effectLst>
                   <a:outerShdw dist="35921" dir="2700000" algn="ctr" rotWithShape="0">
                     <a:schemeClr val="bg2"/>
@@ -38071,7 +38071,7 @@
           </a:ln>
           <a:extLst>
             <a:ext uri="{AF507438-7753-43e0-B8FC-AC1667EBCBE1}">
-              <a14:hiddenEffects xmlns:a14="http://schemas.microsoft.com/office/drawing/2010/main" xmlns="">
+              <a14:hiddenEffects xmlns="" xmlns:a14="http://schemas.microsoft.com/office/drawing/2010/main">
                 <a:effectLst>
                   <a:outerShdw dist="35921" dir="2700000" algn="ctr" rotWithShape="0">
                     <a:schemeClr val="bg2"/>
@@ -38126,7 +38126,7 @@
           </a:ln>
           <a:extLst>
             <a:ext uri="{AF507438-7753-43e0-B8FC-AC1667EBCBE1}">
-              <a14:hiddenEffects xmlns:a14="http://schemas.microsoft.com/office/drawing/2010/main" xmlns="">
+              <a14:hiddenEffects xmlns="" xmlns:a14="http://schemas.microsoft.com/office/drawing/2010/main">
                 <a:effectLst>
                   <a:outerShdw dist="35921" dir="2700000" algn="ctr" rotWithShape="0">
                     <a:schemeClr val="bg2"/>
@@ -38181,7 +38181,7 @@
           </a:ln>
           <a:extLst>
             <a:ext uri="{AF507438-7753-43e0-B8FC-AC1667EBCBE1}">
-              <a14:hiddenEffects xmlns:a14="http://schemas.microsoft.com/office/drawing/2010/main" xmlns="">
+              <a14:hiddenEffects xmlns="" xmlns:a14="http://schemas.microsoft.com/office/drawing/2010/main">
                 <a:effectLst>
                   <a:outerShdw dist="35921" dir="2700000" algn="ctr" rotWithShape="0">
                     <a:schemeClr val="bg2"/>
@@ -38232,7 +38232,7 @@
           </a:ln>
           <a:extLst>
             <a:ext uri="{AF507438-7753-43e0-B8FC-AC1667EBCBE1}">
-              <a14:hiddenEffects xmlns:a14="http://schemas.microsoft.com/office/drawing/2010/main" xmlns="">
+              <a14:hiddenEffects xmlns="" xmlns:a14="http://schemas.microsoft.com/office/drawing/2010/main">
                 <a:effectLst>
                   <a:outerShdw dist="35921" dir="2700000" algn="ctr" rotWithShape="0">
                     <a:schemeClr val="bg2"/>
@@ -38283,7 +38283,7 @@
           </a:ln>
           <a:extLst>
             <a:ext uri="{AF507438-7753-43e0-B8FC-AC1667EBCBE1}">
-              <a14:hiddenEffects xmlns:a14="http://schemas.microsoft.com/office/drawing/2010/main" xmlns="">
+              <a14:hiddenEffects xmlns="" xmlns:a14="http://schemas.microsoft.com/office/drawing/2010/main">
                 <a:effectLst>
                   <a:outerShdw dist="35921" dir="2700000" algn="ctr" rotWithShape="0">
                     <a:schemeClr val="bg2"/>
@@ -38379,7 +38379,7 @@
           <a:effectLst/>
           <a:extLst>
             <a:ext uri="{AF507438-7753-43e0-B8FC-AC1667EBCBE1}">
-              <a14:hiddenEffects xmlns:a14="http://schemas.microsoft.com/office/drawing/2010/main" xmlns="">
+              <a14:hiddenEffects xmlns="" xmlns:a14="http://schemas.microsoft.com/office/drawing/2010/main">
                 <a:effectLst>
                   <a:outerShdw dist="35921" dir="2700000" algn="ctr" rotWithShape="0">
                     <a:schemeClr val="bg2"/>
@@ -38461,7 +38461,7 @@
           <a:effectLst/>
           <a:extLst>
             <a:ext uri="{AF507438-7753-43e0-B8FC-AC1667EBCBE1}">
-              <a14:hiddenEffects xmlns:a14="http://schemas.microsoft.com/office/drawing/2010/main" xmlns="">
+              <a14:hiddenEffects xmlns="" xmlns:a14="http://schemas.microsoft.com/office/drawing/2010/main">
                 <a:effectLst>
                   <a:outerShdw dist="35921" dir="2700000" algn="ctr" rotWithShape="0">
                     <a:schemeClr val="bg2"/>
@@ -38543,7 +38543,7 @@
           <a:effectLst/>
           <a:extLst>
             <a:ext uri="{AF507438-7753-43e0-B8FC-AC1667EBCBE1}">
-              <a14:hiddenEffects xmlns:a14="http://schemas.microsoft.com/office/drawing/2010/main" xmlns="">
+              <a14:hiddenEffects xmlns="" xmlns:a14="http://schemas.microsoft.com/office/drawing/2010/main">
                 <a:effectLst>
                   <a:outerShdw dist="35921" dir="2700000" algn="ctr" rotWithShape="0">
                     <a:schemeClr val="bg2"/>
@@ -38625,7 +38625,7 @@
           <a:effectLst/>
           <a:extLst>
             <a:ext uri="{AF507438-7753-43e0-B8FC-AC1667EBCBE1}">
-              <a14:hiddenEffects xmlns:a14="http://schemas.microsoft.com/office/drawing/2010/main" xmlns="">
+              <a14:hiddenEffects xmlns="" xmlns:a14="http://schemas.microsoft.com/office/drawing/2010/main">
                 <a:effectLst>
                   <a:outerShdw dist="35921" dir="2700000" algn="ctr" rotWithShape="0">
                     <a:schemeClr val="bg2"/>
@@ -38707,7 +38707,7 @@
           <a:effectLst/>
           <a:extLst>
             <a:ext uri="{AF507438-7753-43e0-B8FC-AC1667EBCBE1}">
-              <a14:hiddenEffects xmlns:a14="http://schemas.microsoft.com/office/drawing/2010/main" xmlns="">
+              <a14:hiddenEffects xmlns="" xmlns:a14="http://schemas.microsoft.com/office/drawing/2010/main">
                 <a:effectLst>
                   <a:outerShdw dist="35921" dir="2700000" algn="ctr" rotWithShape="0">
                     <a:schemeClr val="bg2"/>
@@ -38789,7 +38789,7 @@
           <a:effectLst/>
           <a:extLst>
             <a:ext uri="{AF507438-7753-43e0-B8FC-AC1667EBCBE1}">
-              <a14:hiddenEffects xmlns:a14="http://schemas.microsoft.com/office/drawing/2010/main" xmlns="">
+              <a14:hiddenEffects xmlns="" xmlns:a14="http://schemas.microsoft.com/office/drawing/2010/main">
                 <a:effectLst>
                   <a:outerShdw dist="35921" dir="2700000" algn="ctr" rotWithShape="0">
                     <a:schemeClr val="bg2"/>
@@ -38866,7 +38866,7 @@
           </a:ln>
           <a:extLst>
             <a:ext uri="{AF507438-7753-43e0-B8FC-AC1667EBCBE1}">
-              <a14:hiddenEffects xmlns:a14="http://schemas.microsoft.com/office/drawing/2010/main" xmlns="">
+              <a14:hiddenEffects xmlns="" xmlns:a14="http://schemas.microsoft.com/office/drawing/2010/main">
                 <a:effectLst>
                   <a:outerShdw dist="35921" dir="2700000" algn="ctr" rotWithShape="0">
                     <a:schemeClr val="bg2"/>
@@ -38921,7 +38921,7 @@
           </a:ln>
           <a:extLst>
             <a:ext uri="{AF507438-7753-43e0-B8FC-AC1667EBCBE1}">
-              <a14:hiddenEffects xmlns:a14="http://schemas.microsoft.com/office/drawing/2010/main" xmlns="">
+              <a14:hiddenEffects xmlns="" xmlns:a14="http://schemas.microsoft.com/office/drawing/2010/main">
                 <a:effectLst>
                   <a:outerShdw dist="35921" dir="2700000" algn="ctr" rotWithShape="0">
                     <a:schemeClr val="bg2"/>
@@ -38976,7 +38976,7 @@
           </a:ln>
           <a:extLst>
             <a:ext uri="{AF507438-7753-43e0-B8FC-AC1667EBCBE1}">
-              <a14:hiddenEffects xmlns:a14="http://schemas.microsoft.com/office/drawing/2010/main" xmlns="">
+              <a14:hiddenEffects xmlns="" xmlns:a14="http://schemas.microsoft.com/office/drawing/2010/main">
                 <a:effectLst>
                   <a:outerShdw dist="35921" dir="2700000" algn="ctr" rotWithShape="0">
                     <a:schemeClr val="bg2"/>
@@ -39031,7 +39031,7 @@
           </a:ln>
           <a:extLst>
             <a:ext uri="{AF507438-7753-43e0-B8FC-AC1667EBCBE1}">
-              <a14:hiddenEffects xmlns:a14="http://schemas.microsoft.com/office/drawing/2010/main" xmlns="">
+              <a14:hiddenEffects xmlns="" xmlns:a14="http://schemas.microsoft.com/office/drawing/2010/main">
                 <a:effectLst>
                   <a:outerShdw dist="35921" dir="2700000" algn="ctr" rotWithShape="0">
                     <a:schemeClr val="bg2"/>
@@ -39086,7 +39086,7 @@
           </a:ln>
           <a:extLst>
             <a:ext uri="{AF507438-7753-43e0-B8FC-AC1667EBCBE1}">
-              <a14:hiddenEffects xmlns:a14="http://schemas.microsoft.com/office/drawing/2010/main" xmlns="">
+              <a14:hiddenEffects xmlns="" xmlns:a14="http://schemas.microsoft.com/office/drawing/2010/main">
                 <a:effectLst>
                   <a:outerShdw dist="35921" dir="2700000" algn="ctr" rotWithShape="0">
                     <a:schemeClr val="bg2"/>
@@ -39141,7 +39141,7 @@
           </a:ln>
           <a:extLst>
             <a:ext uri="{AF507438-7753-43e0-B8FC-AC1667EBCBE1}">
-              <a14:hiddenEffects xmlns:a14="http://schemas.microsoft.com/office/drawing/2010/main" xmlns="">
+              <a14:hiddenEffects xmlns="" xmlns:a14="http://schemas.microsoft.com/office/drawing/2010/main">
                 <a:effectLst>
                   <a:outerShdw dist="35921" dir="2700000" algn="ctr" rotWithShape="0">
                     <a:schemeClr val="bg2"/>
@@ -39194,7 +39194,7 @@
           </a:ln>
           <a:extLst>
             <a:ext uri="{AF507438-7753-43e0-B8FC-AC1667EBCBE1}">
-              <a14:hiddenEffects xmlns:a14="http://schemas.microsoft.com/office/drawing/2010/main" xmlns="">
+              <a14:hiddenEffects xmlns="" xmlns:a14="http://schemas.microsoft.com/office/drawing/2010/main">
                 <a:effectLst>
                   <a:outerShdw dist="35921" dir="2700000" algn="ctr" rotWithShape="0">
                     <a:schemeClr val="bg2"/>
@@ -39371,7 +39371,7 @@
           <a:effectLst/>
           <a:extLst>
             <a:ext uri="{AF507438-7753-43e0-B8FC-AC1667EBCBE1}">
-              <a14:hiddenEffects xmlns:a14="http://schemas.microsoft.com/office/drawing/2010/main" xmlns="">
+              <a14:hiddenEffects xmlns="" xmlns:a14="http://schemas.microsoft.com/office/drawing/2010/main">
                 <a:effectLst>
                   <a:outerShdw dist="35921" dir="2700000" algn="ctr" rotWithShape="0">
                     <a:schemeClr val="bg2"/>
@@ -39453,7 +39453,7 @@
           <a:effectLst/>
           <a:extLst>
             <a:ext uri="{AF507438-7753-43e0-B8FC-AC1667EBCBE1}">
-              <a14:hiddenEffects xmlns:a14="http://schemas.microsoft.com/office/drawing/2010/main" xmlns="">
+              <a14:hiddenEffects xmlns="" xmlns:a14="http://schemas.microsoft.com/office/drawing/2010/main">
                 <a:effectLst>
                   <a:outerShdw dist="35921" dir="2700000" algn="ctr" rotWithShape="0">
                     <a:schemeClr val="bg2"/>
@@ -39535,7 +39535,7 @@
           <a:effectLst/>
           <a:extLst>
             <a:ext uri="{AF507438-7753-43e0-B8FC-AC1667EBCBE1}">
-              <a14:hiddenEffects xmlns:a14="http://schemas.microsoft.com/office/drawing/2010/main" xmlns="">
+              <a14:hiddenEffects xmlns="" xmlns:a14="http://schemas.microsoft.com/office/drawing/2010/main">
                 <a:effectLst>
                   <a:outerShdw dist="35921" dir="2700000" algn="ctr" rotWithShape="0">
                     <a:schemeClr val="bg2"/>
@@ -39617,7 +39617,7 @@
           <a:effectLst/>
           <a:extLst>
             <a:ext uri="{AF507438-7753-43e0-B8FC-AC1667EBCBE1}">
-              <a14:hiddenEffects xmlns:a14="http://schemas.microsoft.com/office/drawing/2010/main" xmlns="">
+              <a14:hiddenEffects xmlns="" xmlns:a14="http://schemas.microsoft.com/office/drawing/2010/main">
                 <a:effectLst>
                   <a:outerShdw dist="35921" dir="2700000" algn="ctr" rotWithShape="0">
                     <a:schemeClr val="bg2"/>
@@ -39699,7 +39699,7 @@
           <a:effectLst/>
           <a:extLst>
             <a:ext uri="{AF507438-7753-43e0-B8FC-AC1667EBCBE1}">
-              <a14:hiddenEffects xmlns:a14="http://schemas.microsoft.com/office/drawing/2010/main" xmlns="">
+              <a14:hiddenEffects xmlns="" xmlns:a14="http://schemas.microsoft.com/office/drawing/2010/main">
                 <a:effectLst>
                   <a:outerShdw dist="35921" dir="2700000" algn="ctr" rotWithShape="0">
                     <a:schemeClr val="bg2"/>
@@ -39781,7 +39781,7 @@
           <a:effectLst/>
           <a:extLst>
             <a:ext uri="{AF507438-7753-43e0-B8FC-AC1667EBCBE1}">
-              <a14:hiddenEffects xmlns:a14="http://schemas.microsoft.com/office/drawing/2010/main" xmlns="">
+              <a14:hiddenEffects xmlns="" xmlns:a14="http://schemas.microsoft.com/office/drawing/2010/main">
                 <a:effectLst>
                   <a:outerShdw dist="35921" dir="2700000" algn="ctr" rotWithShape="0">
                     <a:schemeClr val="bg2"/>
@@ -39858,7 +39858,7 @@
           </a:ln>
           <a:extLst>
             <a:ext uri="{AF507438-7753-43e0-B8FC-AC1667EBCBE1}">
-              <a14:hiddenEffects xmlns:a14="http://schemas.microsoft.com/office/drawing/2010/main" xmlns="">
+              <a14:hiddenEffects xmlns="" xmlns:a14="http://schemas.microsoft.com/office/drawing/2010/main">
                 <a:effectLst>
                   <a:outerShdw dist="35921" dir="2700000" algn="ctr" rotWithShape="0">
                     <a:schemeClr val="bg2"/>
@@ -39913,7 +39913,7 @@
           </a:ln>
           <a:extLst>
             <a:ext uri="{AF507438-7753-43e0-B8FC-AC1667EBCBE1}">
-              <a14:hiddenEffects xmlns:a14="http://schemas.microsoft.com/office/drawing/2010/main" xmlns="">
+              <a14:hiddenEffects xmlns="" xmlns:a14="http://schemas.microsoft.com/office/drawing/2010/main">
                 <a:effectLst>
                   <a:outerShdw dist="35921" dir="2700000" algn="ctr" rotWithShape="0">
                     <a:schemeClr val="bg2"/>
@@ -39967,7 +39967,7 @@
           </a:ln>
           <a:extLst>
             <a:ext uri="{AF507438-7753-43e0-B8FC-AC1667EBCBE1}">
-              <a14:hiddenEffects xmlns:a14="http://schemas.microsoft.com/office/drawing/2010/main" xmlns="">
+              <a14:hiddenEffects xmlns="" xmlns:a14="http://schemas.microsoft.com/office/drawing/2010/main">
                 <a:effectLst>
                   <a:outerShdw dist="35921" dir="2700000" algn="ctr" rotWithShape="0">
                     <a:schemeClr val="bg2"/>
@@ -40022,7 +40022,7 @@
           </a:ln>
           <a:extLst>
             <a:ext uri="{AF507438-7753-43e0-B8FC-AC1667EBCBE1}">
-              <a14:hiddenEffects xmlns:a14="http://schemas.microsoft.com/office/drawing/2010/main" xmlns="">
+              <a14:hiddenEffects xmlns="" xmlns:a14="http://schemas.microsoft.com/office/drawing/2010/main">
                 <a:effectLst>
                   <a:outerShdw dist="35921" dir="2700000" algn="ctr" rotWithShape="0">
                     <a:schemeClr val="bg2"/>
@@ -40077,7 +40077,7 @@
           </a:ln>
           <a:extLst>
             <a:ext uri="{AF507438-7753-43e0-B8FC-AC1667EBCBE1}">
-              <a14:hiddenEffects xmlns:a14="http://schemas.microsoft.com/office/drawing/2010/main" xmlns="">
+              <a14:hiddenEffects xmlns="" xmlns:a14="http://schemas.microsoft.com/office/drawing/2010/main">
                 <a:effectLst>
                   <a:outerShdw dist="35921" dir="2700000" algn="ctr" rotWithShape="0">
                     <a:schemeClr val="bg2"/>
@@ -40132,7 +40132,7 @@
           </a:ln>
           <a:extLst>
             <a:ext uri="{AF507438-7753-43e0-B8FC-AC1667EBCBE1}">
-              <a14:hiddenEffects xmlns:a14="http://schemas.microsoft.com/office/drawing/2010/main" xmlns="">
+              <a14:hiddenEffects xmlns="" xmlns:a14="http://schemas.microsoft.com/office/drawing/2010/main">
                 <a:effectLst>
                   <a:outerShdw dist="35921" dir="2700000" algn="ctr" rotWithShape="0">
                     <a:schemeClr val="bg2"/>
@@ -40192,7 +40192,7 @@
           <a:effectLst/>
           <a:extLst>
             <a:ext uri="{AF507438-7753-43e0-B8FC-AC1667EBCBE1}">
-              <a14:hiddenEffects xmlns:a14="http://schemas.microsoft.com/office/drawing/2010/main" xmlns="">
+              <a14:hiddenEffects xmlns="" xmlns:a14="http://schemas.microsoft.com/office/drawing/2010/main">
                 <a:effectLst>
                   <a:outerShdw dist="35921" dir="2700000" algn="ctr" rotWithShape="0">
                     <a:schemeClr val="bg2"/>
@@ -40274,7 +40274,7 @@
           <a:effectLst/>
           <a:extLst>
             <a:ext uri="{AF507438-7753-43e0-B8FC-AC1667EBCBE1}">
-              <a14:hiddenEffects xmlns:a14="http://schemas.microsoft.com/office/drawing/2010/main" xmlns="">
+              <a14:hiddenEffects xmlns="" xmlns:a14="http://schemas.microsoft.com/office/drawing/2010/main">
                 <a:effectLst>
                   <a:outerShdw dist="35921" dir="2700000" algn="ctr" rotWithShape="0">
                     <a:schemeClr val="bg2"/>
@@ -40356,7 +40356,7 @@
           <a:effectLst/>
           <a:extLst>
             <a:ext uri="{AF507438-7753-43e0-B8FC-AC1667EBCBE1}">
-              <a14:hiddenEffects xmlns:a14="http://schemas.microsoft.com/office/drawing/2010/main" xmlns="">
+              <a14:hiddenEffects xmlns="" xmlns:a14="http://schemas.microsoft.com/office/drawing/2010/main">
                 <a:effectLst>
                   <a:outerShdw dist="35921" dir="2700000" algn="ctr" rotWithShape="0">
                     <a:schemeClr val="bg2"/>
@@ -40438,7 +40438,7 @@
           <a:effectLst/>
           <a:extLst>
             <a:ext uri="{AF507438-7753-43e0-B8FC-AC1667EBCBE1}">
-              <a14:hiddenEffects xmlns:a14="http://schemas.microsoft.com/office/drawing/2010/main" xmlns="">
+              <a14:hiddenEffects xmlns="" xmlns:a14="http://schemas.microsoft.com/office/drawing/2010/main">
                 <a:effectLst>
                   <a:outerShdw dist="35921" dir="2700000" algn="ctr" rotWithShape="0">
                     <a:schemeClr val="bg2"/>
@@ -40520,7 +40520,7 @@
           <a:effectLst/>
           <a:extLst>
             <a:ext uri="{AF507438-7753-43e0-B8FC-AC1667EBCBE1}">
-              <a14:hiddenEffects xmlns:a14="http://schemas.microsoft.com/office/drawing/2010/main" xmlns="">
+              <a14:hiddenEffects xmlns="" xmlns:a14="http://schemas.microsoft.com/office/drawing/2010/main">
                 <a:effectLst>
                   <a:outerShdw dist="35921" dir="2700000" algn="ctr" rotWithShape="0">
                     <a:schemeClr val="bg2"/>
@@ -40602,7 +40602,7 @@
           <a:effectLst/>
           <a:extLst>
             <a:ext uri="{AF507438-7753-43e0-B8FC-AC1667EBCBE1}">
-              <a14:hiddenEffects xmlns:a14="http://schemas.microsoft.com/office/drawing/2010/main" xmlns="">
+              <a14:hiddenEffects xmlns="" xmlns:a14="http://schemas.microsoft.com/office/drawing/2010/main">
                 <a:effectLst>
                   <a:outerShdw dist="35921" dir="2700000" algn="ctr" rotWithShape="0">
                     <a:schemeClr val="bg2"/>
@@ -40679,7 +40679,7 @@
           </a:ln>
           <a:extLst>
             <a:ext uri="{AF507438-7753-43e0-B8FC-AC1667EBCBE1}">
-              <a14:hiddenEffects xmlns:a14="http://schemas.microsoft.com/office/drawing/2010/main" xmlns="">
+              <a14:hiddenEffects xmlns="" xmlns:a14="http://schemas.microsoft.com/office/drawing/2010/main">
                 <a:effectLst>
                   <a:outerShdw dist="35921" dir="2700000" algn="ctr" rotWithShape="0">
                     <a:schemeClr val="bg2"/>
@@ -40734,7 +40734,7 @@
           </a:ln>
           <a:extLst>
             <a:ext uri="{AF507438-7753-43e0-B8FC-AC1667EBCBE1}">
-              <a14:hiddenEffects xmlns:a14="http://schemas.microsoft.com/office/drawing/2010/main" xmlns="">
+              <a14:hiddenEffects xmlns="" xmlns:a14="http://schemas.microsoft.com/office/drawing/2010/main">
                 <a:effectLst>
                   <a:outerShdw dist="35921" dir="2700000" algn="ctr" rotWithShape="0">
                     <a:schemeClr val="bg2"/>
@@ -40788,7 +40788,7 @@
           </a:ln>
           <a:extLst>
             <a:ext uri="{AF507438-7753-43e0-B8FC-AC1667EBCBE1}">
-              <a14:hiddenEffects xmlns:a14="http://schemas.microsoft.com/office/drawing/2010/main" xmlns="">
+              <a14:hiddenEffects xmlns="" xmlns:a14="http://schemas.microsoft.com/office/drawing/2010/main">
                 <a:effectLst>
                   <a:outerShdw dist="35921" dir="2700000" algn="ctr" rotWithShape="0">
                     <a:schemeClr val="bg2"/>
@@ -40843,7 +40843,7 @@
           </a:ln>
           <a:extLst>
             <a:ext uri="{AF507438-7753-43e0-B8FC-AC1667EBCBE1}">
-              <a14:hiddenEffects xmlns:a14="http://schemas.microsoft.com/office/drawing/2010/main" xmlns="">
+              <a14:hiddenEffects xmlns="" xmlns:a14="http://schemas.microsoft.com/office/drawing/2010/main">
                 <a:effectLst>
                   <a:outerShdw dist="35921" dir="2700000" algn="ctr" rotWithShape="0">
                     <a:schemeClr val="bg2"/>
@@ -40898,7 +40898,7 @@
           </a:ln>
           <a:extLst>
             <a:ext uri="{AF507438-7753-43e0-B8FC-AC1667EBCBE1}">
-              <a14:hiddenEffects xmlns:a14="http://schemas.microsoft.com/office/drawing/2010/main" xmlns="">
+              <a14:hiddenEffects xmlns="" xmlns:a14="http://schemas.microsoft.com/office/drawing/2010/main">
                 <a:effectLst>
                   <a:outerShdw dist="35921" dir="2700000" algn="ctr" rotWithShape="0">
                     <a:schemeClr val="bg2"/>
@@ -40953,7 +40953,7 @@
           </a:ln>
           <a:extLst>
             <a:ext uri="{AF507438-7753-43e0-B8FC-AC1667EBCBE1}">
-              <a14:hiddenEffects xmlns:a14="http://schemas.microsoft.com/office/drawing/2010/main" xmlns="">
+              <a14:hiddenEffects xmlns="" xmlns:a14="http://schemas.microsoft.com/office/drawing/2010/main">
                 <a:effectLst>
                   <a:outerShdw dist="35921" dir="2700000" algn="ctr" rotWithShape="0">
                     <a:schemeClr val="bg2"/>
@@ -41009,7 +41009,7 @@
           </a:ln>
           <a:extLst>
             <a:ext uri="{AF507438-7753-43e0-B8FC-AC1667EBCBE1}">
-              <a14:hiddenEffects xmlns="" xmlns:a14="http://schemas.microsoft.com/office/drawing/2010/main">
+              <a14:hiddenEffects xmlns:a14="http://schemas.microsoft.com/office/drawing/2010/main" xmlns="">
                 <a:effectLst>
                   <a:outerShdw dist="35921" dir="2700000" algn="ctr" rotWithShape="0">
                     <a:schemeClr val="bg2"/>
@@ -41062,7 +41062,7 @@
           </a:ln>
           <a:extLst>
             <a:ext uri="{AF507438-7753-43e0-B8FC-AC1667EBCBE1}">
-              <a14:hiddenEffects xmlns:a14="http://schemas.microsoft.com/office/drawing/2010/main" xmlns="">
+              <a14:hiddenEffects xmlns="" xmlns:a14="http://schemas.microsoft.com/office/drawing/2010/main">
                 <a:effectLst>
                   <a:outerShdw dist="35921" dir="2700000" algn="ctr" rotWithShape="0">
                     <a:schemeClr val="bg2"/>
@@ -42437,7 +42437,7 @@
           </a:ln>
           <a:extLst>
             <a:ext uri="{AF507438-7753-43e0-B8FC-AC1667EBCBE1}">
-              <a14:hiddenEffects xmlns="" xmlns:a14="http://schemas.microsoft.com/office/drawing/2010/main">
+              <a14:hiddenEffects xmlns:a14="http://schemas.microsoft.com/office/drawing/2010/main" xmlns="">
                 <a:effectLst>
                   <a:outerShdw dist="35921" dir="2700000" algn="ctr" rotWithShape="0">
                     <a:schemeClr val="bg2"/>
@@ -42631,14 +42631,14 @@
           <a:effectLst/>
           <a:extLst>
             <a:ext uri="{909E8E84-426E-40dd-AFC4-6F175D3DCCD1}">
-              <a14:hiddenFill xmlns="" xmlns:a14="http://schemas.microsoft.com/office/drawing/2010/main">
+              <a14:hiddenFill xmlns:a14="http://schemas.microsoft.com/office/drawing/2010/main" xmlns="">
                 <a:solidFill>
                   <a:schemeClr val="accent1"/>
                 </a:solidFill>
               </a14:hiddenFill>
             </a:ext>
             <a:ext uri="{91240B29-F687-4f45-9708-019B960494DF}">
-              <a14:hiddenLine xmlns="" xmlns:a14="http://schemas.microsoft.com/office/drawing/2010/main" w="9525">
+              <a14:hiddenLine xmlns:a14="http://schemas.microsoft.com/office/drawing/2010/main" xmlns="" w="9525">
                 <a:solidFill>
                   <a:schemeClr val="tx1"/>
                 </a:solidFill>
@@ -42648,7 +42648,7 @@
               </a14:hiddenLine>
             </a:ext>
             <a:ext uri="{AF507438-7753-43e0-B8FC-AC1667EBCBE1}">
-              <a14:hiddenEffects xmlns="" xmlns:a14="http://schemas.microsoft.com/office/drawing/2010/main">
+              <a14:hiddenEffects xmlns:a14="http://schemas.microsoft.com/office/drawing/2010/main" xmlns="">
                 <a:effectLst>
                   <a:outerShdw dist="35921" dir="2700000" algn="ctr" rotWithShape="0">
                     <a:schemeClr val="bg2"/>
@@ -43178,7 +43178,7 @@
         <a:effectLst/>
         <a:extLst>
           <a:ext uri="{AF507438-7753-43e0-B8FC-AC1667EBCBE1}">
-            <a14:hiddenEffects xmlns:a14="http://schemas.microsoft.com/office/drawing/2010/main" xmlns="">
+            <a14:hiddenEffects xmlns="" xmlns:a14="http://schemas.microsoft.com/office/drawing/2010/main">
               <a:effectLst>
                 <a:outerShdw dist="35921" dir="2700000" algn="ctr" rotWithShape="0">
                   <a:schemeClr val="bg2"/>
@@ -43251,7 +43251,7 @@
         <a:effectLst/>
         <a:extLst>
           <a:ext uri="{AF507438-7753-43e0-B8FC-AC1667EBCBE1}">
-            <a14:hiddenEffects xmlns:a14="http://schemas.microsoft.com/office/drawing/2010/main" xmlns="">
+            <a14:hiddenEffects xmlns="" xmlns:a14="http://schemas.microsoft.com/office/drawing/2010/main">
               <a:effectLst>
                 <a:outerShdw dist="35921" dir="2700000" algn="ctr" rotWithShape="0">
                   <a:schemeClr val="bg2"/>
